--- a/todo/wyklady.pptx
+++ b/todo/wyklady.pptx
@@ -4,13 +4,15 @@
   <p:sldMasterIdLst>
     <p:sldMasterId id="2147483648" r:id="rId2"/>
     <p:sldMasterId id="2147483661" r:id="rId3"/>
+    <p:sldMasterId id="2147483674" r:id="rId4"/>
   </p:sldMasterIdLst>
   <p:sldIdLst>
-    <p:sldId id="256" r:id="rId4"/>
-    <p:sldId id="257" r:id="rId5"/>
-    <p:sldId id="258" r:id="rId6"/>
-    <p:sldId id="259" r:id="rId7"/>
-    <p:sldId id="260" r:id="rId8"/>
+    <p:sldId id="256" r:id="rId5"/>
+    <p:sldId id="257" r:id="rId6"/>
+    <p:sldId id="258" r:id="rId7"/>
+    <p:sldId id="259" r:id="rId8"/>
+    <p:sldId id="260" r:id="rId9"/>
+    <p:sldId id="261" r:id="rId10"/>
   </p:sldIdLst>
   <p:sldSz cx="9144000" cy="6858000"/>
   <p:notesSz cx="7559675" cy="10691812"/>
@@ -58,7 +60,7 @@
       </p:grpSpPr>
       <p:sp>
         <p:nvSpPr>
-          <p:cNvPr id="26" name="PlaceHolder 1"/>
+          <p:cNvPr id="23" name="PlaceHolder 1"/>
           <p:cNvSpPr>
             <a:spLocks noGrp="1"/>
           </p:cNvSpPr>
@@ -69,7 +71,7 @@
         <p:spPr>
           <a:xfrm>
             <a:off x="685800" y="2130480"/>
-            <a:ext cx="7772040" cy="1469880"/>
+            <a:ext cx="7771680" cy="1469880"/>
           </a:xfrm>
           <a:prstGeom prst="rect">
             <a:avLst/>
@@ -78,13 +80,14 @@
         <p:txBody>
           <a:bodyPr anchor="ctr" bIns="0" lIns="0" rIns="0" tIns="0" wrap="none"/>
           <a:p>
-            <a:endParaRPr/>
-          </a:p>
-        </p:txBody>
-      </p:sp>
-      <p:sp>
-        <p:nvSpPr>
-          <p:cNvPr id="27" name="PlaceHolder 2"/>
+            <a:pPr algn="ctr"/>
+            <a:endParaRPr/>
+          </a:p>
+        </p:txBody>
+      </p:sp>
+      <p:sp>
+        <p:nvSpPr>
+          <p:cNvPr id="24" name="PlaceHolder 2"/>
           <p:cNvSpPr>
             <a:spLocks noGrp="1"/>
           </p:cNvSpPr>
@@ -110,7 +113,7 @@
       </p:sp>
       <p:sp>
         <p:nvSpPr>
-          <p:cNvPr id="28" name="PlaceHolder 3"/>
+          <p:cNvPr id="25" name="PlaceHolder 3"/>
           <p:cNvSpPr>
             <a:spLocks noGrp="1"/>
           </p:cNvSpPr>
@@ -158,7 +161,7 @@
       </p:grpSpPr>
       <p:sp>
         <p:nvSpPr>
-          <p:cNvPr id="29" name="PlaceHolder 1"/>
+          <p:cNvPr id="26" name="PlaceHolder 1"/>
           <p:cNvSpPr>
             <a:spLocks noGrp="1"/>
           </p:cNvSpPr>
@@ -169,7 +172,7 @@
         <p:spPr>
           <a:xfrm>
             <a:off x="685800" y="2130480"/>
-            <a:ext cx="7772040" cy="1469880"/>
+            <a:ext cx="7771680" cy="1469880"/>
           </a:xfrm>
           <a:prstGeom prst="rect">
             <a:avLst/>
@@ -178,13 +181,14 @@
         <p:txBody>
           <a:bodyPr anchor="ctr" bIns="0" lIns="0" rIns="0" tIns="0" wrap="none"/>
           <a:p>
-            <a:endParaRPr/>
-          </a:p>
-        </p:txBody>
-      </p:sp>
-      <p:sp>
-        <p:nvSpPr>
-          <p:cNvPr id="30" name="PlaceHolder 2"/>
+            <a:pPr algn="ctr"/>
+            <a:endParaRPr/>
+          </a:p>
+        </p:txBody>
+      </p:sp>
+      <p:sp>
+        <p:nvSpPr>
+          <p:cNvPr id="27" name="PlaceHolder 2"/>
           <p:cNvSpPr>
             <a:spLocks noGrp="1"/>
           </p:cNvSpPr>
@@ -210,7 +214,7 @@
       </p:sp>
       <p:sp>
         <p:nvSpPr>
-          <p:cNvPr id="31" name="PlaceHolder 3"/>
+          <p:cNvPr id="28" name="PlaceHolder 3"/>
           <p:cNvSpPr>
             <a:spLocks noGrp="1"/>
           </p:cNvSpPr>
@@ -236,7 +240,7 @@
       </p:sp>
       <p:sp>
         <p:nvSpPr>
-          <p:cNvPr id="32" name="PlaceHolder 4"/>
+          <p:cNvPr id="29" name="PlaceHolder 4"/>
           <p:cNvSpPr>
             <a:spLocks noGrp="1"/>
           </p:cNvSpPr>
@@ -262,7 +266,7 @@
       </p:sp>
       <p:sp>
         <p:nvSpPr>
-          <p:cNvPr id="33" name="PlaceHolder 5"/>
+          <p:cNvPr id="30" name="PlaceHolder 5"/>
           <p:cNvSpPr>
             <a:spLocks noGrp="1"/>
           </p:cNvSpPr>
@@ -310,7 +314,7 @@
       </p:grpSpPr>
       <p:sp>
         <p:nvSpPr>
-          <p:cNvPr id="34" name="PlaceHolder 1"/>
+          <p:cNvPr id="31" name="PlaceHolder 1"/>
           <p:cNvSpPr>
             <a:spLocks noGrp="1"/>
           </p:cNvSpPr>
@@ -321,7 +325,7 @@
         <p:spPr>
           <a:xfrm>
             <a:off x="685800" y="2130480"/>
-            <a:ext cx="7772040" cy="1469880"/>
+            <a:ext cx="7771680" cy="1469880"/>
           </a:xfrm>
           <a:prstGeom prst="rect">
             <a:avLst/>
@@ -330,13 +334,14 @@
         <p:txBody>
           <a:bodyPr anchor="ctr" bIns="0" lIns="0" rIns="0" tIns="0" wrap="none"/>
           <a:p>
-            <a:endParaRPr/>
-          </a:p>
-        </p:txBody>
-      </p:sp>
-      <p:sp>
-        <p:nvSpPr>
-          <p:cNvPr id="35" name="PlaceHolder 2"/>
+            <a:pPr algn="ctr"/>
+            <a:endParaRPr/>
+          </a:p>
+        </p:txBody>
+      </p:sp>
+      <p:sp>
+        <p:nvSpPr>
+          <p:cNvPr id="32" name="PlaceHolder 2"/>
           <p:cNvSpPr>
             <a:spLocks noGrp="1"/>
           </p:cNvSpPr>
@@ -362,7 +367,7 @@
       </p:sp>
       <p:sp>
         <p:nvSpPr>
-          <p:cNvPr id="36" name="PlaceHolder 3"/>
+          <p:cNvPr id="33" name="PlaceHolder 3"/>
           <p:cNvSpPr>
             <a:spLocks noGrp="1"/>
           </p:cNvSpPr>
@@ -388,7 +393,7 @@
       </p:sp>
       <p:pic>
         <p:nvPicPr>
-          <p:cNvPr descr="" id="37" name=""/>
+          <p:cNvPr descr="" id="34" name=""/>
           <p:cNvPicPr/>
           <p:nvPr/>
         </p:nvPicPr>
@@ -413,7 +418,7 @@
       </p:pic>
       <p:pic>
         <p:nvPicPr>
-          <p:cNvPr descr="" id="38" name=""/>
+          <p:cNvPr descr="" id="35" name=""/>
           <p:cNvPicPr/>
           <p:nvPr/>
         </p:nvPicPr>
@@ -482,7 +487,7 @@
       </p:grpSpPr>
       <p:sp>
         <p:nvSpPr>
-          <p:cNvPr id="44" name="PlaceHolder 1"/>
+          <p:cNvPr id="38" name="PlaceHolder 1"/>
           <p:cNvSpPr>
             <a:spLocks noGrp="1"/>
           </p:cNvSpPr>
@@ -493,7 +498,7 @@
         <p:spPr>
           <a:xfrm>
             <a:off x="685800" y="2130480"/>
-            <a:ext cx="7772040" cy="1469880"/>
+            <a:ext cx="7771680" cy="1469880"/>
           </a:xfrm>
           <a:prstGeom prst="rect">
             <a:avLst/>
@@ -502,13 +507,14 @@
         <p:txBody>
           <a:bodyPr anchor="ctr" bIns="0" lIns="0" rIns="0" tIns="0" wrap="none"/>
           <a:p>
-            <a:endParaRPr/>
-          </a:p>
-        </p:txBody>
-      </p:sp>
-      <p:sp>
-        <p:nvSpPr>
-          <p:cNvPr id="45" name="PlaceHolder 2"/>
+            <a:pPr algn="ctr"/>
+            <a:endParaRPr/>
+          </a:p>
+        </p:txBody>
+      </p:sp>
+      <p:sp>
+        <p:nvSpPr>
+          <p:cNvPr id="39" name="PlaceHolder 2"/>
           <p:cNvSpPr>
             <a:spLocks noGrp="1"/>
           </p:cNvSpPr>
@@ -557,7 +563,7 @@
       </p:grpSpPr>
       <p:sp>
         <p:nvSpPr>
-          <p:cNvPr id="46" name="PlaceHolder 1"/>
+          <p:cNvPr id="40" name="PlaceHolder 1"/>
           <p:cNvSpPr>
             <a:spLocks noGrp="1"/>
           </p:cNvSpPr>
@@ -568,7 +574,7 @@
         <p:spPr>
           <a:xfrm>
             <a:off x="685800" y="2130480"/>
-            <a:ext cx="7772040" cy="1469880"/>
+            <a:ext cx="7771680" cy="1469880"/>
           </a:xfrm>
           <a:prstGeom prst="rect">
             <a:avLst/>
@@ -577,13 +583,14 @@
         <p:txBody>
           <a:bodyPr anchor="ctr" bIns="0" lIns="0" rIns="0" tIns="0" wrap="none"/>
           <a:p>
-            <a:endParaRPr/>
-          </a:p>
-        </p:txBody>
-      </p:sp>
-      <p:sp>
-        <p:nvSpPr>
-          <p:cNvPr id="47" name="PlaceHolder 2"/>
+            <a:pPr algn="ctr"/>
+            <a:endParaRPr/>
+          </a:p>
+        </p:txBody>
+      </p:sp>
+      <p:sp>
+        <p:nvSpPr>
+          <p:cNvPr id="41" name="PlaceHolder 2"/>
           <p:cNvSpPr>
             <a:spLocks noGrp="1"/>
           </p:cNvSpPr>
@@ -631,7 +638,7 @@
       </p:grpSpPr>
       <p:sp>
         <p:nvSpPr>
-          <p:cNvPr id="48" name="PlaceHolder 1"/>
+          <p:cNvPr id="42" name="PlaceHolder 1"/>
           <p:cNvSpPr>
             <a:spLocks noGrp="1"/>
           </p:cNvSpPr>
@@ -642,7 +649,7 @@
         <p:spPr>
           <a:xfrm>
             <a:off x="685800" y="2130480"/>
-            <a:ext cx="7772040" cy="1469880"/>
+            <a:ext cx="7771680" cy="1469880"/>
           </a:xfrm>
           <a:prstGeom prst="rect">
             <a:avLst/>
@@ -651,13 +658,14 @@
         <p:txBody>
           <a:bodyPr anchor="ctr" bIns="0" lIns="0" rIns="0" tIns="0" wrap="none"/>
           <a:p>
-            <a:endParaRPr/>
-          </a:p>
-        </p:txBody>
-      </p:sp>
-      <p:sp>
-        <p:nvSpPr>
-          <p:cNvPr id="49" name="PlaceHolder 2"/>
+            <a:pPr algn="ctr"/>
+            <a:endParaRPr/>
+          </a:p>
+        </p:txBody>
+      </p:sp>
+      <p:sp>
+        <p:nvSpPr>
+          <p:cNvPr id="43" name="PlaceHolder 2"/>
           <p:cNvSpPr>
             <a:spLocks noGrp="1"/>
           </p:cNvSpPr>
@@ -683,7 +691,7 @@
       </p:sp>
       <p:sp>
         <p:nvSpPr>
-          <p:cNvPr id="50" name="PlaceHolder 3"/>
+          <p:cNvPr id="44" name="PlaceHolder 3"/>
           <p:cNvSpPr>
             <a:spLocks noGrp="1"/>
           </p:cNvSpPr>
@@ -731,7 +739,7 @@
       </p:grpSpPr>
       <p:sp>
         <p:nvSpPr>
-          <p:cNvPr id="51" name="PlaceHolder 1"/>
+          <p:cNvPr id="45" name="PlaceHolder 1"/>
           <p:cNvSpPr>
             <a:spLocks noGrp="1"/>
           </p:cNvSpPr>
@@ -742,7 +750,7 @@
         <p:spPr>
           <a:xfrm>
             <a:off x="685800" y="2130480"/>
-            <a:ext cx="7772040" cy="1469880"/>
+            <a:ext cx="7771680" cy="1469880"/>
           </a:xfrm>
           <a:prstGeom prst="rect">
             <a:avLst/>
@@ -751,6 +759,7 @@
         <p:txBody>
           <a:bodyPr anchor="ctr" bIns="0" lIns="0" rIns="0" tIns="0" wrap="none"/>
           <a:p>
+            <a:pPr algn="ctr"/>
             <a:endParaRPr/>
           </a:p>
         </p:txBody>
@@ -779,7 +788,7 @@
       </p:grpSpPr>
       <p:sp>
         <p:nvSpPr>
-          <p:cNvPr id="52" name="PlaceHolder 1"/>
+          <p:cNvPr id="46" name="PlaceHolder 1"/>
           <p:cNvSpPr>
             <a:spLocks noGrp="1"/>
           </p:cNvSpPr>
@@ -790,7 +799,7 @@
         <p:spPr>
           <a:xfrm>
             <a:off x="685800" y="2130480"/>
-            <a:ext cx="7772040" cy="3451320"/>
+            <a:ext cx="7771680" cy="3451320"/>
           </a:xfrm>
           <a:prstGeom prst="rect">
             <a:avLst/>
@@ -828,7 +837,7 @@
       </p:grpSpPr>
       <p:sp>
         <p:nvSpPr>
-          <p:cNvPr id="53" name="PlaceHolder 1"/>
+          <p:cNvPr id="47" name="PlaceHolder 1"/>
           <p:cNvSpPr>
             <a:spLocks noGrp="1"/>
           </p:cNvSpPr>
@@ -839,7 +848,7 @@
         <p:spPr>
           <a:xfrm>
             <a:off x="685800" y="2130480"/>
-            <a:ext cx="7772040" cy="1469880"/>
+            <a:ext cx="7771680" cy="1469880"/>
           </a:xfrm>
           <a:prstGeom prst="rect">
             <a:avLst/>
@@ -848,13 +857,14 @@
         <p:txBody>
           <a:bodyPr anchor="ctr" bIns="0" lIns="0" rIns="0" tIns="0" wrap="none"/>
           <a:p>
-            <a:endParaRPr/>
-          </a:p>
-        </p:txBody>
-      </p:sp>
-      <p:sp>
-        <p:nvSpPr>
-          <p:cNvPr id="54" name="PlaceHolder 2"/>
+            <a:pPr algn="ctr"/>
+            <a:endParaRPr/>
+          </a:p>
+        </p:txBody>
+      </p:sp>
+      <p:sp>
+        <p:nvSpPr>
+          <p:cNvPr id="48" name="PlaceHolder 2"/>
           <p:cNvSpPr>
             <a:spLocks noGrp="1"/>
           </p:cNvSpPr>
@@ -880,7 +890,7 @@
       </p:sp>
       <p:sp>
         <p:nvSpPr>
-          <p:cNvPr id="55" name="PlaceHolder 3"/>
+          <p:cNvPr id="49" name="PlaceHolder 3"/>
           <p:cNvSpPr>
             <a:spLocks noGrp="1"/>
           </p:cNvSpPr>
@@ -906,7 +916,7 @@
       </p:sp>
       <p:sp>
         <p:nvSpPr>
-          <p:cNvPr id="56" name="PlaceHolder 4"/>
+          <p:cNvPr id="50" name="PlaceHolder 4"/>
           <p:cNvSpPr>
             <a:spLocks noGrp="1"/>
           </p:cNvSpPr>
@@ -954,7 +964,7 @@
       </p:grpSpPr>
       <p:sp>
         <p:nvSpPr>
-          <p:cNvPr id="5" name="PlaceHolder 1"/>
+          <p:cNvPr id="2" name="PlaceHolder 1"/>
           <p:cNvSpPr>
             <a:spLocks noGrp="1"/>
           </p:cNvSpPr>
@@ -965,7 +975,7 @@
         <p:spPr>
           <a:xfrm>
             <a:off x="685800" y="2130480"/>
-            <a:ext cx="7772040" cy="1469880"/>
+            <a:ext cx="7771680" cy="1469880"/>
           </a:xfrm>
           <a:prstGeom prst="rect">
             <a:avLst/>
@@ -974,13 +984,14 @@
         <p:txBody>
           <a:bodyPr anchor="ctr" bIns="0" lIns="0" rIns="0" tIns="0" wrap="none"/>
           <a:p>
-            <a:endParaRPr/>
-          </a:p>
-        </p:txBody>
-      </p:sp>
-      <p:sp>
-        <p:nvSpPr>
-          <p:cNvPr id="6" name="PlaceHolder 2"/>
+            <a:pPr algn="ctr"/>
+            <a:endParaRPr/>
+          </a:p>
+        </p:txBody>
+      </p:sp>
+      <p:sp>
+        <p:nvSpPr>
+          <p:cNvPr id="3" name="PlaceHolder 2"/>
           <p:cNvSpPr>
             <a:spLocks noGrp="1"/>
           </p:cNvSpPr>
@@ -1029,7 +1040,7 @@
       </p:grpSpPr>
       <p:sp>
         <p:nvSpPr>
-          <p:cNvPr id="57" name="PlaceHolder 1"/>
+          <p:cNvPr id="51" name="PlaceHolder 1"/>
           <p:cNvSpPr>
             <a:spLocks noGrp="1"/>
           </p:cNvSpPr>
@@ -1040,7 +1051,7 @@
         <p:spPr>
           <a:xfrm>
             <a:off x="685800" y="2130480"/>
-            <a:ext cx="7772040" cy="1469880"/>
+            <a:ext cx="7771680" cy="1469880"/>
           </a:xfrm>
           <a:prstGeom prst="rect">
             <a:avLst/>
@@ -1049,13 +1060,14 @@
         <p:txBody>
           <a:bodyPr anchor="ctr" bIns="0" lIns="0" rIns="0" tIns="0" wrap="none"/>
           <a:p>
-            <a:endParaRPr/>
-          </a:p>
-        </p:txBody>
-      </p:sp>
-      <p:sp>
-        <p:nvSpPr>
-          <p:cNvPr id="58" name="PlaceHolder 2"/>
+            <a:pPr algn="ctr"/>
+            <a:endParaRPr/>
+          </a:p>
+        </p:txBody>
+      </p:sp>
+      <p:sp>
+        <p:nvSpPr>
+          <p:cNvPr id="52" name="PlaceHolder 2"/>
           <p:cNvSpPr>
             <a:spLocks noGrp="1"/>
           </p:cNvSpPr>
@@ -1081,7 +1093,7 @@
       </p:sp>
       <p:sp>
         <p:nvSpPr>
-          <p:cNvPr id="59" name="PlaceHolder 3"/>
+          <p:cNvPr id="53" name="PlaceHolder 3"/>
           <p:cNvSpPr>
             <a:spLocks noGrp="1"/>
           </p:cNvSpPr>
@@ -1107,7 +1119,7 @@
       </p:sp>
       <p:sp>
         <p:nvSpPr>
-          <p:cNvPr id="60" name="PlaceHolder 4"/>
+          <p:cNvPr id="54" name="PlaceHolder 4"/>
           <p:cNvSpPr>
             <a:spLocks noGrp="1"/>
           </p:cNvSpPr>
@@ -1155,7 +1167,7 @@
       </p:grpSpPr>
       <p:sp>
         <p:nvSpPr>
-          <p:cNvPr id="61" name="PlaceHolder 1"/>
+          <p:cNvPr id="55" name="PlaceHolder 1"/>
           <p:cNvSpPr>
             <a:spLocks noGrp="1"/>
           </p:cNvSpPr>
@@ -1166,7 +1178,7 @@
         <p:spPr>
           <a:xfrm>
             <a:off x="685800" y="2130480"/>
-            <a:ext cx="7772040" cy="1469880"/>
+            <a:ext cx="7771680" cy="1469880"/>
           </a:xfrm>
           <a:prstGeom prst="rect">
             <a:avLst/>
@@ -1175,13 +1187,14 @@
         <p:txBody>
           <a:bodyPr anchor="ctr" bIns="0" lIns="0" rIns="0" tIns="0" wrap="none"/>
           <a:p>
-            <a:endParaRPr/>
-          </a:p>
-        </p:txBody>
-      </p:sp>
-      <p:sp>
-        <p:nvSpPr>
-          <p:cNvPr id="62" name="PlaceHolder 2"/>
+            <a:pPr algn="ctr"/>
+            <a:endParaRPr/>
+          </a:p>
+        </p:txBody>
+      </p:sp>
+      <p:sp>
+        <p:nvSpPr>
+          <p:cNvPr id="56" name="PlaceHolder 2"/>
           <p:cNvSpPr>
             <a:spLocks noGrp="1"/>
           </p:cNvSpPr>
@@ -1207,7 +1220,7 @@
       </p:sp>
       <p:sp>
         <p:nvSpPr>
-          <p:cNvPr id="63" name="PlaceHolder 3"/>
+          <p:cNvPr id="57" name="PlaceHolder 3"/>
           <p:cNvSpPr>
             <a:spLocks noGrp="1"/>
           </p:cNvSpPr>
@@ -1233,7 +1246,7 @@
       </p:sp>
       <p:sp>
         <p:nvSpPr>
-          <p:cNvPr id="64" name="PlaceHolder 4"/>
+          <p:cNvPr id="58" name="PlaceHolder 4"/>
           <p:cNvSpPr>
             <a:spLocks noGrp="1"/>
           </p:cNvSpPr>
@@ -1281,7 +1294,7 @@
       </p:grpSpPr>
       <p:sp>
         <p:nvSpPr>
-          <p:cNvPr id="65" name="PlaceHolder 1"/>
+          <p:cNvPr id="59" name="PlaceHolder 1"/>
           <p:cNvSpPr>
             <a:spLocks noGrp="1"/>
           </p:cNvSpPr>
@@ -1292,7 +1305,7 @@
         <p:spPr>
           <a:xfrm>
             <a:off x="685800" y="2130480"/>
-            <a:ext cx="7772040" cy="1469880"/>
+            <a:ext cx="7771680" cy="1469880"/>
           </a:xfrm>
           <a:prstGeom prst="rect">
             <a:avLst/>
@@ -1301,13 +1314,14 @@
         <p:txBody>
           <a:bodyPr anchor="ctr" bIns="0" lIns="0" rIns="0" tIns="0" wrap="none"/>
           <a:p>
-            <a:endParaRPr/>
-          </a:p>
-        </p:txBody>
-      </p:sp>
-      <p:sp>
-        <p:nvSpPr>
-          <p:cNvPr id="66" name="PlaceHolder 2"/>
+            <a:pPr algn="ctr"/>
+            <a:endParaRPr/>
+          </a:p>
+        </p:txBody>
+      </p:sp>
+      <p:sp>
+        <p:nvSpPr>
+          <p:cNvPr id="60" name="PlaceHolder 2"/>
           <p:cNvSpPr>
             <a:spLocks noGrp="1"/>
           </p:cNvSpPr>
@@ -1333,7 +1347,7 @@
       </p:sp>
       <p:sp>
         <p:nvSpPr>
-          <p:cNvPr id="67" name="PlaceHolder 3"/>
+          <p:cNvPr id="61" name="PlaceHolder 3"/>
           <p:cNvSpPr>
             <a:spLocks noGrp="1"/>
           </p:cNvSpPr>
@@ -1381,7 +1395,7 @@
       </p:grpSpPr>
       <p:sp>
         <p:nvSpPr>
-          <p:cNvPr id="68" name="PlaceHolder 1"/>
+          <p:cNvPr id="62" name="PlaceHolder 1"/>
           <p:cNvSpPr>
             <a:spLocks noGrp="1"/>
           </p:cNvSpPr>
@@ -1392,7 +1406,7 @@
         <p:spPr>
           <a:xfrm>
             <a:off x="685800" y="2130480"/>
-            <a:ext cx="7772040" cy="1469880"/>
+            <a:ext cx="7771680" cy="1469880"/>
           </a:xfrm>
           <a:prstGeom prst="rect">
             <a:avLst/>
@@ -1401,13 +1415,14 @@
         <p:txBody>
           <a:bodyPr anchor="ctr" bIns="0" lIns="0" rIns="0" tIns="0" wrap="none"/>
           <a:p>
-            <a:endParaRPr/>
-          </a:p>
-        </p:txBody>
-      </p:sp>
-      <p:sp>
-        <p:nvSpPr>
-          <p:cNvPr id="69" name="PlaceHolder 2"/>
+            <a:pPr algn="ctr"/>
+            <a:endParaRPr/>
+          </a:p>
+        </p:txBody>
+      </p:sp>
+      <p:sp>
+        <p:nvSpPr>
+          <p:cNvPr id="63" name="PlaceHolder 2"/>
           <p:cNvSpPr>
             <a:spLocks noGrp="1"/>
           </p:cNvSpPr>
@@ -1433,7 +1448,7 @@
       </p:sp>
       <p:sp>
         <p:nvSpPr>
-          <p:cNvPr id="70" name="PlaceHolder 3"/>
+          <p:cNvPr id="64" name="PlaceHolder 3"/>
           <p:cNvSpPr>
             <a:spLocks noGrp="1"/>
           </p:cNvSpPr>
@@ -1459,7 +1474,7 @@
       </p:sp>
       <p:sp>
         <p:nvSpPr>
-          <p:cNvPr id="71" name="PlaceHolder 4"/>
+          <p:cNvPr id="65" name="PlaceHolder 4"/>
           <p:cNvSpPr>
             <a:spLocks noGrp="1"/>
           </p:cNvSpPr>
@@ -1485,7 +1500,7 @@
       </p:sp>
       <p:sp>
         <p:nvSpPr>
-          <p:cNvPr id="72" name="PlaceHolder 5"/>
+          <p:cNvPr id="66" name="PlaceHolder 5"/>
           <p:cNvSpPr>
             <a:spLocks noGrp="1"/>
           </p:cNvSpPr>
@@ -1533,7 +1548,7 @@
       </p:grpSpPr>
       <p:sp>
         <p:nvSpPr>
-          <p:cNvPr id="73" name="PlaceHolder 1"/>
+          <p:cNvPr id="67" name="PlaceHolder 1"/>
           <p:cNvSpPr>
             <a:spLocks noGrp="1"/>
           </p:cNvSpPr>
@@ -1544,7 +1559,7 @@
         <p:spPr>
           <a:xfrm>
             <a:off x="685800" y="2130480"/>
-            <a:ext cx="7772040" cy="1469880"/>
+            <a:ext cx="7771680" cy="1469880"/>
           </a:xfrm>
           <a:prstGeom prst="rect">
             <a:avLst/>
@@ -1553,13 +1568,14 @@
         <p:txBody>
           <a:bodyPr anchor="ctr" bIns="0" lIns="0" rIns="0" tIns="0" wrap="none"/>
           <a:p>
-            <a:endParaRPr/>
-          </a:p>
-        </p:txBody>
-      </p:sp>
-      <p:sp>
-        <p:nvSpPr>
-          <p:cNvPr id="74" name="PlaceHolder 2"/>
+            <a:pPr algn="ctr"/>
+            <a:endParaRPr/>
+          </a:p>
+        </p:txBody>
+      </p:sp>
+      <p:sp>
+        <p:nvSpPr>
+          <p:cNvPr id="68" name="PlaceHolder 2"/>
           <p:cNvSpPr>
             <a:spLocks noGrp="1"/>
           </p:cNvSpPr>
@@ -1585,7 +1601,7 @@
       </p:sp>
       <p:sp>
         <p:nvSpPr>
-          <p:cNvPr id="75" name="PlaceHolder 3"/>
+          <p:cNvPr id="69" name="PlaceHolder 3"/>
           <p:cNvSpPr>
             <a:spLocks noGrp="1"/>
           </p:cNvSpPr>
@@ -1611,7 +1627,7 @@
       </p:sp>
       <p:pic>
         <p:nvPicPr>
-          <p:cNvPr descr="" id="76" name=""/>
+          <p:cNvPr descr="" id="70" name=""/>
           <p:cNvPicPr/>
           <p:nvPr/>
         </p:nvPicPr>
@@ -1636,7 +1652,7 @@
       </p:pic>
       <p:pic>
         <p:nvPicPr>
-          <p:cNvPr descr="" id="77" name=""/>
+          <p:cNvPr descr="" id="71" name=""/>
           <p:cNvPicPr/>
           <p:nvPr/>
         </p:nvPicPr>
@@ -1659,6 +1675,329 @@
           </a:ln>
         </p:spPr>
       </p:pic>
+    </p:spTree>
+  </p:cSld>
+</p:sldLayout>
+</file>
+
+<file path=ppt/slideLayouts/slideLayout25.xml><?xml version="1.0" encoding="utf-8"?>
+<p:sldLayout xmlns:a="http://schemas.openxmlformats.org/drawingml/2006/main" xmlns:p="http://schemas.openxmlformats.org/presentationml/2006/main" xmlns:r="http://schemas.openxmlformats.org/officeDocument/2006/relationships" preserve="1" type="blank">
+  <p:cSld name="Blank Slide">
+    <p:spTree>
+      <p:nvGrpSpPr>
+        <p:cNvPr id="1" name=""/>
+        <p:cNvGrpSpPr/>
+        <p:nvPr/>
+      </p:nvGrpSpPr>
+      <p:grpSpPr>
+        <a:xfrm>
+          <a:off x="0" y="0"/>
+          <a:ext cx="0" cy="0"/>
+          <a:chOff x="0" y="0"/>
+          <a:chExt cx="0" cy="0"/>
+        </a:xfrm>
+      </p:grpSpPr>
+    </p:spTree>
+  </p:cSld>
+</p:sldLayout>
+</file>
+
+<file path=ppt/slideLayouts/slideLayout26.xml><?xml version="1.0" encoding="utf-8"?>
+<p:sldLayout xmlns:a="http://schemas.openxmlformats.org/drawingml/2006/main" xmlns:p="http://schemas.openxmlformats.org/presentationml/2006/main" xmlns:r="http://schemas.openxmlformats.org/officeDocument/2006/relationships" preserve="1" type="tx">
+  <p:cSld name="Title Slide">
+    <p:spTree>
+      <p:nvGrpSpPr>
+        <p:cNvPr id="1" name=""/>
+        <p:cNvGrpSpPr/>
+        <p:nvPr/>
+      </p:nvGrpSpPr>
+      <p:grpSpPr>
+        <a:xfrm>
+          <a:off x="0" y="0"/>
+          <a:ext cx="0" cy="0"/>
+          <a:chOff x="0" y="0"/>
+          <a:chExt cx="0" cy="0"/>
+        </a:xfrm>
+      </p:grpSpPr>
+      <p:sp>
+        <p:nvSpPr>
+          <p:cNvPr id="74" name="PlaceHolder 1"/>
+          <p:cNvSpPr>
+            <a:spLocks noGrp="1"/>
+          </p:cNvSpPr>
+          <p:nvPr>
+            <p:ph type="title"/>
+          </p:nvPr>
+        </p:nvSpPr>
+        <p:spPr>
+          <a:xfrm>
+            <a:off x="685800" y="2130480"/>
+            <a:ext cx="7771680" cy="1469880"/>
+          </a:xfrm>
+          <a:prstGeom prst="rect">
+            <a:avLst/>
+          </a:prstGeom>
+        </p:spPr>
+        <p:txBody>
+          <a:bodyPr anchor="ctr" bIns="0" lIns="0" rIns="0" tIns="0" wrap="none"/>
+          <a:p>
+            <a:pPr algn="ctr"/>
+            <a:endParaRPr/>
+          </a:p>
+        </p:txBody>
+      </p:sp>
+      <p:sp>
+        <p:nvSpPr>
+          <p:cNvPr id="75" name="PlaceHolder 2"/>
+          <p:cNvSpPr>
+            <a:spLocks noGrp="1"/>
+          </p:cNvSpPr>
+          <p:nvPr>
+            <p:ph type="subTitle"/>
+          </p:nvPr>
+        </p:nvSpPr>
+        <p:spPr>
+          <a:xfrm>
+            <a:off x="457200" y="1604520"/>
+            <a:ext cx="8229240" cy="3977640"/>
+          </a:xfrm>
+          <a:prstGeom prst="rect">
+            <a:avLst/>
+          </a:prstGeom>
+        </p:spPr>
+        <p:txBody>
+          <a:bodyPr anchor="ctr" bIns="0" lIns="0" rIns="0" tIns="0" wrap="none"/>
+          <a:p>
+            <a:pPr algn="ctr"/>
+            <a:endParaRPr/>
+          </a:p>
+        </p:txBody>
+      </p:sp>
+    </p:spTree>
+  </p:cSld>
+</p:sldLayout>
+</file>
+
+<file path=ppt/slideLayouts/slideLayout27.xml><?xml version="1.0" encoding="utf-8"?>
+<p:sldLayout xmlns:a="http://schemas.openxmlformats.org/drawingml/2006/main" xmlns:p="http://schemas.openxmlformats.org/presentationml/2006/main" xmlns:r="http://schemas.openxmlformats.org/officeDocument/2006/relationships" preserve="1" type="obj">
+  <p:cSld name="Title, Content">
+    <p:spTree>
+      <p:nvGrpSpPr>
+        <p:cNvPr id="1" name=""/>
+        <p:cNvGrpSpPr/>
+        <p:nvPr/>
+      </p:nvGrpSpPr>
+      <p:grpSpPr>
+        <a:xfrm>
+          <a:off x="0" y="0"/>
+          <a:ext cx="0" cy="0"/>
+          <a:chOff x="0" y="0"/>
+          <a:chExt cx="0" cy="0"/>
+        </a:xfrm>
+      </p:grpSpPr>
+      <p:sp>
+        <p:nvSpPr>
+          <p:cNvPr id="76" name="PlaceHolder 1"/>
+          <p:cNvSpPr>
+            <a:spLocks noGrp="1"/>
+          </p:cNvSpPr>
+          <p:nvPr>
+            <p:ph type="title"/>
+          </p:nvPr>
+        </p:nvSpPr>
+        <p:spPr>
+          <a:xfrm>
+            <a:off x="685800" y="2130480"/>
+            <a:ext cx="7771680" cy="1469880"/>
+          </a:xfrm>
+          <a:prstGeom prst="rect">
+            <a:avLst/>
+          </a:prstGeom>
+        </p:spPr>
+        <p:txBody>
+          <a:bodyPr anchor="ctr" bIns="0" lIns="0" rIns="0" tIns="0" wrap="none"/>
+          <a:p>
+            <a:pPr algn="ctr"/>
+            <a:endParaRPr/>
+          </a:p>
+        </p:txBody>
+      </p:sp>
+      <p:sp>
+        <p:nvSpPr>
+          <p:cNvPr id="77" name="PlaceHolder 2"/>
+          <p:cNvSpPr>
+            <a:spLocks noGrp="1"/>
+          </p:cNvSpPr>
+          <p:nvPr>
+            <p:ph type="body"/>
+          </p:nvPr>
+        </p:nvSpPr>
+        <p:spPr>
+          <a:xfrm>
+            <a:off x="457200" y="1604520"/>
+            <a:ext cx="8229240" cy="3977280"/>
+          </a:xfrm>
+          <a:prstGeom prst="rect">
+            <a:avLst/>
+          </a:prstGeom>
+        </p:spPr>
+        <p:txBody>
+          <a:bodyPr bIns="0" lIns="0" rIns="0" tIns="0" wrap="none"/>
+          <a:p>
+            <a:endParaRPr/>
+          </a:p>
+        </p:txBody>
+      </p:sp>
+    </p:spTree>
+  </p:cSld>
+</p:sldLayout>
+</file>
+
+<file path=ppt/slideLayouts/slideLayout28.xml><?xml version="1.0" encoding="utf-8"?>
+<p:sldLayout xmlns:a="http://schemas.openxmlformats.org/drawingml/2006/main" xmlns:p="http://schemas.openxmlformats.org/presentationml/2006/main" xmlns:r="http://schemas.openxmlformats.org/officeDocument/2006/relationships" preserve="1" type="twoObj">
+  <p:cSld name="Title, 2 Content">
+    <p:spTree>
+      <p:nvGrpSpPr>
+        <p:cNvPr id="1" name=""/>
+        <p:cNvGrpSpPr/>
+        <p:nvPr/>
+      </p:nvGrpSpPr>
+      <p:grpSpPr>
+        <a:xfrm>
+          <a:off x="0" y="0"/>
+          <a:ext cx="0" cy="0"/>
+          <a:chOff x="0" y="0"/>
+          <a:chExt cx="0" cy="0"/>
+        </a:xfrm>
+      </p:grpSpPr>
+      <p:sp>
+        <p:nvSpPr>
+          <p:cNvPr id="78" name="PlaceHolder 1"/>
+          <p:cNvSpPr>
+            <a:spLocks noGrp="1"/>
+          </p:cNvSpPr>
+          <p:nvPr>
+            <p:ph type="title"/>
+          </p:nvPr>
+        </p:nvSpPr>
+        <p:spPr>
+          <a:xfrm>
+            <a:off x="685800" y="2130480"/>
+            <a:ext cx="7771680" cy="1469880"/>
+          </a:xfrm>
+          <a:prstGeom prst="rect">
+            <a:avLst/>
+          </a:prstGeom>
+        </p:spPr>
+        <p:txBody>
+          <a:bodyPr anchor="ctr" bIns="0" lIns="0" rIns="0" tIns="0" wrap="none"/>
+          <a:p>
+            <a:pPr algn="ctr"/>
+            <a:endParaRPr/>
+          </a:p>
+        </p:txBody>
+      </p:sp>
+      <p:sp>
+        <p:nvSpPr>
+          <p:cNvPr id="79" name="PlaceHolder 2"/>
+          <p:cNvSpPr>
+            <a:spLocks noGrp="1"/>
+          </p:cNvSpPr>
+          <p:nvPr>
+            <p:ph type="body"/>
+          </p:nvPr>
+        </p:nvSpPr>
+        <p:spPr>
+          <a:xfrm>
+            <a:off x="457200" y="1604520"/>
+            <a:ext cx="4015440" cy="3977280"/>
+          </a:xfrm>
+          <a:prstGeom prst="rect">
+            <a:avLst/>
+          </a:prstGeom>
+        </p:spPr>
+        <p:txBody>
+          <a:bodyPr bIns="0" lIns="0" rIns="0" tIns="0" wrap="none"/>
+          <a:p>
+            <a:endParaRPr/>
+          </a:p>
+        </p:txBody>
+      </p:sp>
+      <p:sp>
+        <p:nvSpPr>
+          <p:cNvPr id="80" name="PlaceHolder 3"/>
+          <p:cNvSpPr>
+            <a:spLocks noGrp="1"/>
+          </p:cNvSpPr>
+          <p:nvPr>
+            <p:ph type="body"/>
+          </p:nvPr>
+        </p:nvSpPr>
+        <p:spPr>
+          <a:xfrm>
+            <a:off x="4673520" y="1604520"/>
+            <a:ext cx="4015440" cy="3977280"/>
+          </a:xfrm>
+          <a:prstGeom prst="rect">
+            <a:avLst/>
+          </a:prstGeom>
+        </p:spPr>
+        <p:txBody>
+          <a:bodyPr bIns="0" lIns="0" rIns="0" tIns="0" wrap="none"/>
+          <a:p>
+            <a:endParaRPr/>
+          </a:p>
+        </p:txBody>
+      </p:sp>
+    </p:spTree>
+  </p:cSld>
+</p:sldLayout>
+</file>
+
+<file path=ppt/slideLayouts/slideLayout29.xml><?xml version="1.0" encoding="utf-8"?>
+<p:sldLayout xmlns:a="http://schemas.openxmlformats.org/drawingml/2006/main" xmlns:p="http://schemas.openxmlformats.org/presentationml/2006/main" xmlns:r="http://schemas.openxmlformats.org/officeDocument/2006/relationships" preserve="1" type="titleOnly">
+  <p:cSld name="Title Only">
+    <p:spTree>
+      <p:nvGrpSpPr>
+        <p:cNvPr id="1" name=""/>
+        <p:cNvGrpSpPr/>
+        <p:nvPr/>
+      </p:nvGrpSpPr>
+      <p:grpSpPr>
+        <a:xfrm>
+          <a:off x="0" y="0"/>
+          <a:ext cx="0" cy="0"/>
+          <a:chOff x="0" y="0"/>
+          <a:chExt cx="0" cy="0"/>
+        </a:xfrm>
+      </p:grpSpPr>
+      <p:sp>
+        <p:nvSpPr>
+          <p:cNvPr id="81" name="PlaceHolder 1"/>
+          <p:cNvSpPr>
+            <a:spLocks noGrp="1"/>
+          </p:cNvSpPr>
+          <p:nvPr>
+            <p:ph type="title"/>
+          </p:nvPr>
+        </p:nvSpPr>
+        <p:spPr>
+          <a:xfrm>
+            <a:off x="685800" y="2130480"/>
+            <a:ext cx="7771680" cy="1469880"/>
+          </a:xfrm>
+          <a:prstGeom prst="rect">
+            <a:avLst/>
+          </a:prstGeom>
+        </p:spPr>
+        <p:txBody>
+          <a:bodyPr anchor="ctr" bIns="0" lIns="0" rIns="0" tIns="0" wrap="none"/>
+          <a:p>
+            <a:pPr algn="ctr"/>
+            <a:endParaRPr/>
+          </a:p>
+        </p:txBody>
+      </p:sp>
     </p:spTree>
   </p:cSld>
 </p:sldLayout>
@@ -1683,7 +2022,7 @@
       </p:grpSpPr>
       <p:sp>
         <p:nvSpPr>
-          <p:cNvPr id="7" name="PlaceHolder 1"/>
+          <p:cNvPr id="4" name="PlaceHolder 1"/>
           <p:cNvSpPr>
             <a:spLocks noGrp="1"/>
           </p:cNvSpPr>
@@ -1694,7 +2033,7 @@
         <p:spPr>
           <a:xfrm>
             <a:off x="685800" y="2130480"/>
-            <a:ext cx="7772040" cy="1469880"/>
+            <a:ext cx="7771680" cy="1469880"/>
           </a:xfrm>
           <a:prstGeom prst="rect">
             <a:avLst/>
@@ -1703,13 +2042,14 @@
         <p:txBody>
           <a:bodyPr anchor="ctr" bIns="0" lIns="0" rIns="0" tIns="0" wrap="none"/>
           <a:p>
-            <a:endParaRPr/>
-          </a:p>
-        </p:txBody>
-      </p:sp>
-      <p:sp>
-        <p:nvSpPr>
-          <p:cNvPr id="8" name="PlaceHolder 2"/>
+            <a:pPr algn="ctr"/>
+            <a:endParaRPr/>
+          </a:p>
+        </p:txBody>
+      </p:sp>
+      <p:sp>
+        <p:nvSpPr>
+          <p:cNvPr id="5" name="PlaceHolder 2"/>
           <p:cNvSpPr>
             <a:spLocks noGrp="1"/>
           </p:cNvSpPr>
@@ -1733,6 +2073,841 @@
           </a:p>
         </p:txBody>
       </p:sp>
+    </p:spTree>
+  </p:cSld>
+</p:sldLayout>
+</file>
+
+<file path=ppt/slideLayouts/slideLayout30.xml><?xml version="1.0" encoding="utf-8"?>
+<p:sldLayout xmlns:a="http://schemas.openxmlformats.org/drawingml/2006/main" xmlns:p="http://schemas.openxmlformats.org/presentationml/2006/main" xmlns:r="http://schemas.openxmlformats.org/officeDocument/2006/relationships" preserve="1" type="objOnly">
+  <p:cSld name="Centered Text">
+    <p:spTree>
+      <p:nvGrpSpPr>
+        <p:cNvPr id="1" name=""/>
+        <p:cNvGrpSpPr/>
+        <p:nvPr/>
+      </p:nvGrpSpPr>
+      <p:grpSpPr>
+        <a:xfrm>
+          <a:off x="0" y="0"/>
+          <a:ext cx="0" cy="0"/>
+          <a:chOff x="0" y="0"/>
+          <a:chExt cx="0" cy="0"/>
+        </a:xfrm>
+      </p:grpSpPr>
+      <p:sp>
+        <p:nvSpPr>
+          <p:cNvPr id="82" name="PlaceHolder 1"/>
+          <p:cNvSpPr>
+            <a:spLocks noGrp="1"/>
+          </p:cNvSpPr>
+          <p:nvPr>
+            <p:ph type="subTitle"/>
+          </p:nvPr>
+        </p:nvSpPr>
+        <p:spPr>
+          <a:xfrm>
+            <a:off x="685800" y="2130480"/>
+            <a:ext cx="7771680" cy="3451320"/>
+          </a:xfrm>
+          <a:prstGeom prst="rect">
+            <a:avLst/>
+          </a:prstGeom>
+        </p:spPr>
+        <p:txBody>
+          <a:bodyPr anchor="ctr" bIns="0" lIns="0" rIns="0" tIns="0" wrap="none"/>
+          <a:p>
+            <a:pPr algn="ctr"/>
+            <a:endParaRPr/>
+          </a:p>
+        </p:txBody>
+      </p:sp>
+    </p:spTree>
+  </p:cSld>
+</p:sldLayout>
+</file>
+
+<file path=ppt/slideLayouts/slideLayout31.xml><?xml version="1.0" encoding="utf-8"?>
+<p:sldLayout xmlns:a="http://schemas.openxmlformats.org/drawingml/2006/main" xmlns:p="http://schemas.openxmlformats.org/presentationml/2006/main" xmlns:r="http://schemas.openxmlformats.org/officeDocument/2006/relationships" preserve="1" type="twoObjAndObj">
+  <p:cSld name="Title, 2 Content and Content">
+    <p:spTree>
+      <p:nvGrpSpPr>
+        <p:cNvPr id="1" name=""/>
+        <p:cNvGrpSpPr/>
+        <p:nvPr/>
+      </p:nvGrpSpPr>
+      <p:grpSpPr>
+        <a:xfrm>
+          <a:off x="0" y="0"/>
+          <a:ext cx="0" cy="0"/>
+          <a:chOff x="0" y="0"/>
+          <a:chExt cx="0" cy="0"/>
+        </a:xfrm>
+      </p:grpSpPr>
+      <p:sp>
+        <p:nvSpPr>
+          <p:cNvPr id="83" name="PlaceHolder 1"/>
+          <p:cNvSpPr>
+            <a:spLocks noGrp="1"/>
+          </p:cNvSpPr>
+          <p:nvPr>
+            <p:ph type="title"/>
+          </p:nvPr>
+        </p:nvSpPr>
+        <p:spPr>
+          <a:xfrm>
+            <a:off x="685800" y="2130480"/>
+            <a:ext cx="7771680" cy="1469880"/>
+          </a:xfrm>
+          <a:prstGeom prst="rect">
+            <a:avLst/>
+          </a:prstGeom>
+        </p:spPr>
+        <p:txBody>
+          <a:bodyPr anchor="ctr" bIns="0" lIns="0" rIns="0" tIns="0" wrap="none"/>
+          <a:p>
+            <a:pPr algn="ctr"/>
+            <a:endParaRPr/>
+          </a:p>
+        </p:txBody>
+      </p:sp>
+      <p:sp>
+        <p:nvSpPr>
+          <p:cNvPr id="84" name="PlaceHolder 2"/>
+          <p:cNvSpPr>
+            <a:spLocks noGrp="1"/>
+          </p:cNvSpPr>
+          <p:nvPr>
+            <p:ph type="body"/>
+          </p:nvPr>
+        </p:nvSpPr>
+        <p:spPr>
+          <a:xfrm>
+            <a:off x="457200" y="1604520"/>
+            <a:ext cx="4015440" cy="1896840"/>
+          </a:xfrm>
+          <a:prstGeom prst="rect">
+            <a:avLst/>
+          </a:prstGeom>
+        </p:spPr>
+        <p:txBody>
+          <a:bodyPr bIns="0" lIns="0" rIns="0" tIns="0" wrap="none"/>
+          <a:p>
+            <a:endParaRPr/>
+          </a:p>
+        </p:txBody>
+      </p:sp>
+      <p:sp>
+        <p:nvSpPr>
+          <p:cNvPr id="85" name="PlaceHolder 3"/>
+          <p:cNvSpPr>
+            <a:spLocks noGrp="1"/>
+          </p:cNvSpPr>
+          <p:nvPr>
+            <p:ph type="body"/>
+          </p:nvPr>
+        </p:nvSpPr>
+        <p:spPr>
+          <a:xfrm>
+            <a:off x="457200" y="3681720"/>
+            <a:ext cx="4015440" cy="1896840"/>
+          </a:xfrm>
+          <a:prstGeom prst="rect">
+            <a:avLst/>
+          </a:prstGeom>
+        </p:spPr>
+        <p:txBody>
+          <a:bodyPr bIns="0" lIns="0" rIns="0" tIns="0" wrap="none"/>
+          <a:p>
+            <a:endParaRPr/>
+          </a:p>
+        </p:txBody>
+      </p:sp>
+      <p:sp>
+        <p:nvSpPr>
+          <p:cNvPr id="86" name="PlaceHolder 4"/>
+          <p:cNvSpPr>
+            <a:spLocks noGrp="1"/>
+          </p:cNvSpPr>
+          <p:nvPr>
+            <p:ph type="body"/>
+          </p:nvPr>
+        </p:nvSpPr>
+        <p:spPr>
+          <a:xfrm>
+            <a:off x="4673520" y="1604520"/>
+            <a:ext cx="4015440" cy="3977280"/>
+          </a:xfrm>
+          <a:prstGeom prst="rect">
+            <a:avLst/>
+          </a:prstGeom>
+        </p:spPr>
+        <p:txBody>
+          <a:bodyPr bIns="0" lIns="0" rIns="0" tIns="0" wrap="none"/>
+          <a:p>
+            <a:endParaRPr/>
+          </a:p>
+        </p:txBody>
+      </p:sp>
+    </p:spTree>
+  </p:cSld>
+</p:sldLayout>
+</file>
+
+<file path=ppt/slideLayouts/slideLayout32.xml><?xml version="1.0" encoding="utf-8"?>
+<p:sldLayout xmlns:a="http://schemas.openxmlformats.org/drawingml/2006/main" xmlns:p="http://schemas.openxmlformats.org/presentationml/2006/main" xmlns:r="http://schemas.openxmlformats.org/officeDocument/2006/relationships" preserve="1" type="objAndTwoObj">
+  <p:cSld name="Title Content and 2 Content">
+    <p:spTree>
+      <p:nvGrpSpPr>
+        <p:cNvPr id="1" name=""/>
+        <p:cNvGrpSpPr/>
+        <p:nvPr/>
+      </p:nvGrpSpPr>
+      <p:grpSpPr>
+        <a:xfrm>
+          <a:off x="0" y="0"/>
+          <a:ext cx="0" cy="0"/>
+          <a:chOff x="0" y="0"/>
+          <a:chExt cx="0" cy="0"/>
+        </a:xfrm>
+      </p:grpSpPr>
+      <p:sp>
+        <p:nvSpPr>
+          <p:cNvPr id="87" name="PlaceHolder 1"/>
+          <p:cNvSpPr>
+            <a:spLocks noGrp="1"/>
+          </p:cNvSpPr>
+          <p:nvPr>
+            <p:ph type="title"/>
+          </p:nvPr>
+        </p:nvSpPr>
+        <p:spPr>
+          <a:xfrm>
+            <a:off x="685800" y="2130480"/>
+            <a:ext cx="7771680" cy="1469880"/>
+          </a:xfrm>
+          <a:prstGeom prst="rect">
+            <a:avLst/>
+          </a:prstGeom>
+        </p:spPr>
+        <p:txBody>
+          <a:bodyPr anchor="ctr" bIns="0" lIns="0" rIns="0" tIns="0" wrap="none"/>
+          <a:p>
+            <a:pPr algn="ctr"/>
+            <a:endParaRPr/>
+          </a:p>
+        </p:txBody>
+      </p:sp>
+      <p:sp>
+        <p:nvSpPr>
+          <p:cNvPr id="88" name="PlaceHolder 2"/>
+          <p:cNvSpPr>
+            <a:spLocks noGrp="1"/>
+          </p:cNvSpPr>
+          <p:nvPr>
+            <p:ph type="body"/>
+          </p:nvPr>
+        </p:nvSpPr>
+        <p:spPr>
+          <a:xfrm>
+            <a:off x="457200" y="1604520"/>
+            <a:ext cx="4015440" cy="3977280"/>
+          </a:xfrm>
+          <a:prstGeom prst="rect">
+            <a:avLst/>
+          </a:prstGeom>
+        </p:spPr>
+        <p:txBody>
+          <a:bodyPr bIns="0" lIns="0" rIns="0" tIns="0" wrap="none"/>
+          <a:p>
+            <a:endParaRPr/>
+          </a:p>
+        </p:txBody>
+      </p:sp>
+      <p:sp>
+        <p:nvSpPr>
+          <p:cNvPr id="89" name="PlaceHolder 3"/>
+          <p:cNvSpPr>
+            <a:spLocks noGrp="1"/>
+          </p:cNvSpPr>
+          <p:nvPr>
+            <p:ph type="body"/>
+          </p:nvPr>
+        </p:nvSpPr>
+        <p:spPr>
+          <a:xfrm>
+            <a:off x="4673520" y="1604520"/>
+            <a:ext cx="4015440" cy="1896840"/>
+          </a:xfrm>
+          <a:prstGeom prst="rect">
+            <a:avLst/>
+          </a:prstGeom>
+        </p:spPr>
+        <p:txBody>
+          <a:bodyPr bIns="0" lIns="0" rIns="0" tIns="0" wrap="none"/>
+          <a:p>
+            <a:endParaRPr/>
+          </a:p>
+        </p:txBody>
+      </p:sp>
+      <p:sp>
+        <p:nvSpPr>
+          <p:cNvPr id="90" name="PlaceHolder 4"/>
+          <p:cNvSpPr>
+            <a:spLocks noGrp="1"/>
+          </p:cNvSpPr>
+          <p:nvPr>
+            <p:ph type="body"/>
+          </p:nvPr>
+        </p:nvSpPr>
+        <p:spPr>
+          <a:xfrm>
+            <a:off x="4673520" y="3681720"/>
+            <a:ext cx="4015440" cy="1896840"/>
+          </a:xfrm>
+          <a:prstGeom prst="rect">
+            <a:avLst/>
+          </a:prstGeom>
+        </p:spPr>
+        <p:txBody>
+          <a:bodyPr bIns="0" lIns="0" rIns="0" tIns="0" wrap="none"/>
+          <a:p>
+            <a:endParaRPr/>
+          </a:p>
+        </p:txBody>
+      </p:sp>
+    </p:spTree>
+  </p:cSld>
+</p:sldLayout>
+</file>
+
+<file path=ppt/slideLayouts/slideLayout33.xml><?xml version="1.0" encoding="utf-8"?>
+<p:sldLayout xmlns:a="http://schemas.openxmlformats.org/drawingml/2006/main" xmlns:p="http://schemas.openxmlformats.org/presentationml/2006/main" xmlns:r="http://schemas.openxmlformats.org/officeDocument/2006/relationships" preserve="1" type="twoObjOverTx">
+  <p:cSld name="Title, 2 Content over Content">
+    <p:spTree>
+      <p:nvGrpSpPr>
+        <p:cNvPr id="1" name=""/>
+        <p:cNvGrpSpPr/>
+        <p:nvPr/>
+      </p:nvGrpSpPr>
+      <p:grpSpPr>
+        <a:xfrm>
+          <a:off x="0" y="0"/>
+          <a:ext cx="0" cy="0"/>
+          <a:chOff x="0" y="0"/>
+          <a:chExt cx="0" cy="0"/>
+        </a:xfrm>
+      </p:grpSpPr>
+      <p:sp>
+        <p:nvSpPr>
+          <p:cNvPr id="91" name="PlaceHolder 1"/>
+          <p:cNvSpPr>
+            <a:spLocks noGrp="1"/>
+          </p:cNvSpPr>
+          <p:nvPr>
+            <p:ph type="title"/>
+          </p:nvPr>
+        </p:nvSpPr>
+        <p:spPr>
+          <a:xfrm>
+            <a:off x="685800" y="2130480"/>
+            <a:ext cx="7771680" cy="1469880"/>
+          </a:xfrm>
+          <a:prstGeom prst="rect">
+            <a:avLst/>
+          </a:prstGeom>
+        </p:spPr>
+        <p:txBody>
+          <a:bodyPr anchor="ctr" bIns="0" lIns="0" rIns="0" tIns="0" wrap="none"/>
+          <a:p>
+            <a:pPr algn="ctr"/>
+            <a:endParaRPr/>
+          </a:p>
+        </p:txBody>
+      </p:sp>
+      <p:sp>
+        <p:nvSpPr>
+          <p:cNvPr id="92" name="PlaceHolder 2"/>
+          <p:cNvSpPr>
+            <a:spLocks noGrp="1"/>
+          </p:cNvSpPr>
+          <p:nvPr>
+            <p:ph type="body"/>
+          </p:nvPr>
+        </p:nvSpPr>
+        <p:spPr>
+          <a:xfrm>
+            <a:off x="457200" y="1604520"/>
+            <a:ext cx="4015440" cy="1896840"/>
+          </a:xfrm>
+          <a:prstGeom prst="rect">
+            <a:avLst/>
+          </a:prstGeom>
+        </p:spPr>
+        <p:txBody>
+          <a:bodyPr bIns="0" lIns="0" rIns="0" tIns="0" wrap="none"/>
+          <a:p>
+            <a:endParaRPr/>
+          </a:p>
+        </p:txBody>
+      </p:sp>
+      <p:sp>
+        <p:nvSpPr>
+          <p:cNvPr id="93" name="PlaceHolder 3"/>
+          <p:cNvSpPr>
+            <a:spLocks noGrp="1"/>
+          </p:cNvSpPr>
+          <p:nvPr>
+            <p:ph type="body"/>
+          </p:nvPr>
+        </p:nvSpPr>
+        <p:spPr>
+          <a:xfrm>
+            <a:off x="4673520" y="1604520"/>
+            <a:ext cx="4015440" cy="1896840"/>
+          </a:xfrm>
+          <a:prstGeom prst="rect">
+            <a:avLst/>
+          </a:prstGeom>
+        </p:spPr>
+        <p:txBody>
+          <a:bodyPr bIns="0" lIns="0" rIns="0" tIns="0" wrap="none"/>
+          <a:p>
+            <a:endParaRPr/>
+          </a:p>
+        </p:txBody>
+      </p:sp>
+      <p:sp>
+        <p:nvSpPr>
+          <p:cNvPr id="94" name="PlaceHolder 4"/>
+          <p:cNvSpPr>
+            <a:spLocks noGrp="1"/>
+          </p:cNvSpPr>
+          <p:nvPr>
+            <p:ph type="body"/>
+          </p:nvPr>
+        </p:nvSpPr>
+        <p:spPr>
+          <a:xfrm>
+            <a:off x="457200" y="3681720"/>
+            <a:ext cx="8228520" cy="1896840"/>
+          </a:xfrm>
+          <a:prstGeom prst="rect">
+            <a:avLst/>
+          </a:prstGeom>
+        </p:spPr>
+        <p:txBody>
+          <a:bodyPr bIns="0" lIns="0" rIns="0" tIns="0" wrap="none"/>
+          <a:p>
+            <a:endParaRPr/>
+          </a:p>
+        </p:txBody>
+      </p:sp>
+    </p:spTree>
+  </p:cSld>
+</p:sldLayout>
+</file>
+
+<file path=ppt/slideLayouts/slideLayout34.xml><?xml version="1.0" encoding="utf-8"?>
+<p:sldLayout xmlns:a="http://schemas.openxmlformats.org/drawingml/2006/main" xmlns:p="http://schemas.openxmlformats.org/presentationml/2006/main" xmlns:r="http://schemas.openxmlformats.org/officeDocument/2006/relationships" preserve="1" type="objOverTx">
+  <p:cSld name="Title, Content over Content">
+    <p:spTree>
+      <p:nvGrpSpPr>
+        <p:cNvPr id="1" name=""/>
+        <p:cNvGrpSpPr/>
+        <p:nvPr/>
+      </p:nvGrpSpPr>
+      <p:grpSpPr>
+        <a:xfrm>
+          <a:off x="0" y="0"/>
+          <a:ext cx="0" cy="0"/>
+          <a:chOff x="0" y="0"/>
+          <a:chExt cx="0" cy="0"/>
+        </a:xfrm>
+      </p:grpSpPr>
+      <p:sp>
+        <p:nvSpPr>
+          <p:cNvPr id="95" name="PlaceHolder 1"/>
+          <p:cNvSpPr>
+            <a:spLocks noGrp="1"/>
+          </p:cNvSpPr>
+          <p:nvPr>
+            <p:ph type="title"/>
+          </p:nvPr>
+        </p:nvSpPr>
+        <p:spPr>
+          <a:xfrm>
+            <a:off x="685800" y="2130480"/>
+            <a:ext cx="7771680" cy="1469880"/>
+          </a:xfrm>
+          <a:prstGeom prst="rect">
+            <a:avLst/>
+          </a:prstGeom>
+        </p:spPr>
+        <p:txBody>
+          <a:bodyPr anchor="ctr" bIns="0" lIns="0" rIns="0" tIns="0" wrap="none"/>
+          <a:p>
+            <a:pPr algn="ctr"/>
+            <a:endParaRPr/>
+          </a:p>
+        </p:txBody>
+      </p:sp>
+      <p:sp>
+        <p:nvSpPr>
+          <p:cNvPr id="96" name="PlaceHolder 2"/>
+          <p:cNvSpPr>
+            <a:spLocks noGrp="1"/>
+          </p:cNvSpPr>
+          <p:nvPr>
+            <p:ph type="body"/>
+          </p:nvPr>
+        </p:nvSpPr>
+        <p:spPr>
+          <a:xfrm>
+            <a:off x="457200" y="1604520"/>
+            <a:ext cx="8229240" cy="1896840"/>
+          </a:xfrm>
+          <a:prstGeom prst="rect">
+            <a:avLst/>
+          </a:prstGeom>
+        </p:spPr>
+        <p:txBody>
+          <a:bodyPr bIns="0" lIns="0" rIns="0" tIns="0" wrap="none"/>
+          <a:p>
+            <a:endParaRPr/>
+          </a:p>
+        </p:txBody>
+      </p:sp>
+      <p:sp>
+        <p:nvSpPr>
+          <p:cNvPr id="97" name="PlaceHolder 3"/>
+          <p:cNvSpPr>
+            <a:spLocks noGrp="1"/>
+          </p:cNvSpPr>
+          <p:nvPr>
+            <p:ph type="body"/>
+          </p:nvPr>
+        </p:nvSpPr>
+        <p:spPr>
+          <a:xfrm>
+            <a:off x="457200" y="3681720"/>
+            <a:ext cx="8229240" cy="1896840"/>
+          </a:xfrm>
+          <a:prstGeom prst="rect">
+            <a:avLst/>
+          </a:prstGeom>
+        </p:spPr>
+        <p:txBody>
+          <a:bodyPr bIns="0" lIns="0" rIns="0" tIns="0" wrap="none"/>
+          <a:p>
+            <a:endParaRPr/>
+          </a:p>
+        </p:txBody>
+      </p:sp>
+    </p:spTree>
+  </p:cSld>
+</p:sldLayout>
+</file>
+
+<file path=ppt/slideLayouts/slideLayout35.xml><?xml version="1.0" encoding="utf-8"?>
+<p:sldLayout xmlns:a="http://schemas.openxmlformats.org/drawingml/2006/main" xmlns:p="http://schemas.openxmlformats.org/presentationml/2006/main" xmlns:r="http://schemas.openxmlformats.org/officeDocument/2006/relationships" preserve="1" type="fourObj">
+  <p:cSld name="Title, 4 Content">
+    <p:spTree>
+      <p:nvGrpSpPr>
+        <p:cNvPr id="1" name=""/>
+        <p:cNvGrpSpPr/>
+        <p:nvPr/>
+      </p:nvGrpSpPr>
+      <p:grpSpPr>
+        <a:xfrm>
+          <a:off x="0" y="0"/>
+          <a:ext cx="0" cy="0"/>
+          <a:chOff x="0" y="0"/>
+          <a:chExt cx="0" cy="0"/>
+        </a:xfrm>
+      </p:grpSpPr>
+      <p:sp>
+        <p:nvSpPr>
+          <p:cNvPr id="98" name="PlaceHolder 1"/>
+          <p:cNvSpPr>
+            <a:spLocks noGrp="1"/>
+          </p:cNvSpPr>
+          <p:nvPr>
+            <p:ph type="title"/>
+          </p:nvPr>
+        </p:nvSpPr>
+        <p:spPr>
+          <a:xfrm>
+            <a:off x="685800" y="2130480"/>
+            <a:ext cx="7771680" cy="1469880"/>
+          </a:xfrm>
+          <a:prstGeom prst="rect">
+            <a:avLst/>
+          </a:prstGeom>
+        </p:spPr>
+        <p:txBody>
+          <a:bodyPr anchor="ctr" bIns="0" lIns="0" rIns="0" tIns="0" wrap="none"/>
+          <a:p>
+            <a:pPr algn="ctr"/>
+            <a:endParaRPr/>
+          </a:p>
+        </p:txBody>
+      </p:sp>
+      <p:sp>
+        <p:nvSpPr>
+          <p:cNvPr id="99" name="PlaceHolder 2"/>
+          <p:cNvSpPr>
+            <a:spLocks noGrp="1"/>
+          </p:cNvSpPr>
+          <p:nvPr>
+            <p:ph type="body"/>
+          </p:nvPr>
+        </p:nvSpPr>
+        <p:spPr>
+          <a:xfrm>
+            <a:off x="457200" y="1604520"/>
+            <a:ext cx="4015440" cy="1896840"/>
+          </a:xfrm>
+          <a:prstGeom prst="rect">
+            <a:avLst/>
+          </a:prstGeom>
+        </p:spPr>
+        <p:txBody>
+          <a:bodyPr bIns="0" lIns="0" rIns="0" tIns="0" wrap="none"/>
+          <a:p>
+            <a:endParaRPr/>
+          </a:p>
+        </p:txBody>
+      </p:sp>
+      <p:sp>
+        <p:nvSpPr>
+          <p:cNvPr id="100" name="PlaceHolder 3"/>
+          <p:cNvSpPr>
+            <a:spLocks noGrp="1"/>
+          </p:cNvSpPr>
+          <p:nvPr>
+            <p:ph type="body"/>
+          </p:nvPr>
+        </p:nvSpPr>
+        <p:spPr>
+          <a:xfrm>
+            <a:off x="4673520" y="1604520"/>
+            <a:ext cx="4015440" cy="1896840"/>
+          </a:xfrm>
+          <a:prstGeom prst="rect">
+            <a:avLst/>
+          </a:prstGeom>
+        </p:spPr>
+        <p:txBody>
+          <a:bodyPr bIns="0" lIns="0" rIns="0" tIns="0" wrap="none"/>
+          <a:p>
+            <a:endParaRPr/>
+          </a:p>
+        </p:txBody>
+      </p:sp>
+      <p:sp>
+        <p:nvSpPr>
+          <p:cNvPr id="101" name="PlaceHolder 4"/>
+          <p:cNvSpPr>
+            <a:spLocks noGrp="1"/>
+          </p:cNvSpPr>
+          <p:nvPr>
+            <p:ph type="body"/>
+          </p:nvPr>
+        </p:nvSpPr>
+        <p:spPr>
+          <a:xfrm>
+            <a:off x="4673520" y="3681720"/>
+            <a:ext cx="4015440" cy="1896840"/>
+          </a:xfrm>
+          <a:prstGeom prst="rect">
+            <a:avLst/>
+          </a:prstGeom>
+        </p:spPr>
+        <p:txBody>
+          <a:bodyPr bIns="0" lIns="0" rIns="0" tIns="0" wrap="none"/>
+          <a:p>
+            <a:endParaRPr/>
+          </a:p>
+        </p:txBody>
+      </p:sp>
+      <p:sp>
+        <p:nvSpPr>
+          <p:cNvPr id="102" name="PlaceHolder 5"/>
+          <p:cNvSpPr>
+            <a:spLocks noGrp="1"/>
+          </p:cNvSpPr>
+          <p:nvPr>
+            <p:ph type="body"/>
+          </p:nvPr>
+        </p:nvSpPr>
+        <p:spPr>
+          <a:xfrm>
+            <a:off x="457200" y="3681720"/>
+            <a:ext cx="4015440" cy="1896840"/>
+          </a:xfrm>
+          <a:prstGeom prst="rect">
+            <a:avLst/>
+          </a:prstGeom>
+        </p:spPr>
+        <p:txBody>
+          <a:bodyPr bIns="0" lIns="0" rIns="0" tIns="0" wrap="none"/>
+          <a:p>
+            <a:endParaRPr/>
+          </a:p>
+        </p:txBody>
+      </p:sp>
+    </p:spTree>
+  </p:cSld>
+</p:sldLayout>
+</file>
+
+<file path=ppt/slideLayouts/slideLayout36.xml><?xml version="1.0" encoding="utf-8"?>
+<p:sldLayout xmlns:a="http://schemas.openxmlformats.org/drawingml/2006/main" xmlns:p="http://schemas.openxmlformats.org/presentationml/2006/main" xmlns:r="http://schemas.openxmlformats.org/officeDocument/2006/relationships" preserve="1" type="blank">
+  <p:cSld name="Title, 6 Content">
+    <p:spTree>
+      <p:nvGrpSpPr>
+        <p:cNvPr id="1" name=""/>
+        <p:cNvGrpSpPr/>
+        <p:nvPr/>
+      </p:nvGrpSpPr>
+      <p:grpSpPr>
+        <a:xfrm>
+          <a:off x="0" y="0"/>
+          <a:ext cx="0" cy="0"/>
+          <a:chOff x="0" y="0"/>
+          <a:chExt cx="0" cy="0"/>
+        </a:xfrm>
+      </p:grpSpPr>
+      <p:sp>
+        <p:nvSpPr>
+          <p:cNvPr id="103" name="PlaceHolder 1"/>
+          <p:cNvSpPr>
+            <a:spLocks noGrp="1"/>
+          </p:cNvSpPr>
+          <p:nvPr>
+            <p:ph type="title"/>
+          </p:nvPr>
+        </p:nvSpPr>
+        <p:spPr>
+          <a:xfrm>
+            <a:off x="685800" y="2130480"/>
+            <a:ext cx="7771680" cy="1469880"/>
+          </a:xfrm>
+          <a:prstGeom prst="rect">
+            <a:avLst/>
+          </a:prstGeom>
+        </p:spPr>
+        <p:txBody>
+          <a:bodyPr anchor="ctr" bIns="0" lIns="0" rIns="0" tIns="0" wrap="none"/>
+          <a:p>
+            <a:pPr algn="ctr"/>
+            <a:endParaRPr/>
+          </a:p>
+        </p:txBody>
+      </p:sp>
+      <p:sp>
+        <p:nvSpPr>
+          <p:cNvPr id="104" name="PlaceHolder 2"/>
+          <p:cNvSpPr>
+            <a:spLocks noGrp="1"/>
+          </p:cNvSpPr>
+          <p:nvPr>
+            <p:ph type="body"/>
+          </p:nvPr>
+        </p:nvSpPr>
+        <p:spPr>
+          <a:xfrm>
+            <a:off x="457200" y="1604520"/>
+            <a:ext cx="4015440" cy="1896840"/>
+          </a:xfrm>
+          <a:prstGeom prst="rect">
+            <a:avLst/>
+          </a:prstGeom>
+        </p:spPr>
+        <p:txBody>
+          <a:bodyPr bIns="0" lIns="0" rIns="0" tIns="0" wrap="none"/>
+          <a:p>
+            <a:endParaRPr/>
+          </a:p>
+        </p:txBody>
+      </p:sp>
+      <p:sp>
+        <p:nvSpPr>
+          <p:cNvPr id="105" name="PlaceHolder 3"/>
+          <p:cNvSpPr>
+            <a:spLocks noGrp="1"/>
+          </p:cNvSpPr>
+          <p:nvPr>
+            <p:ph type="body"/>
+          </p:nvPr>
+        </p:nvSpPr>
+        <p:spPr>
+          <a:xfrm>
+            <a:off x="4673520" y="1604520"/>
+            <a:ext cx="4015440" cy="1896840"/>
+          </a:xfrm>
+          <a:prstGeom prst="rect">
+            <a:avLst/>
+          </a:prstGeom>
+        </p:spPr>
+        <p:txBody>
+          <a:bodyPr bIns="0" lIns="0" rIns="0" tIns="0" wrap="none"/>
+          <a:p>
+            <a:endParaRPr/>
+          </a:p>
+        </p:txBody>
+      </p:sp>
+      <p:pic>
+        <p:nvPicPr>
+          <p:cNvPr descr="" id="106" name=""/>
+          <p:cNvPicPr/>
+          <p:nvPr/>
+        </p:nvPicPr>
+        <p:blipFill>
+          <a:blip r:embed="rId2"/>
+          <a:stretch>
+            <a:fillRect/>
+          </a:stretch>
+        </p:blipFill>
+        <p:spPr>
+          <a:xfrm>
+            <a:off x="5492520" y="3681360"/>
+            <a:ext cx="2377440" cy="1896840"/>
+          </a:xfrm>
+          <a:prstGeom prst="rect">
+            <a:avLst/>
+          </a:prstGeom>
+          <a:ln>
+            <a:noFill/>
+          </a:ln>
+        </p:spPr>
+      </p:pic>
+      <p:pic>
+        <p:nvPicPr>
+          <p:cNvPr descr="" id="107" name=""/>
+          <p:cNvPicPr/>
+          <p:nvPr/>
+        </p:nvPicPr>
+        <p:blipFill>
+          <a:blip r:embed="rId3"/>
+          <a:stretch>
+            <a:fillRect/>
+          </a:stretch>
+        </p:blipFill>
+        <p:spPr>
+          <a:xfrm>
+            <a:off x="1276200" y="3681360"/>
+            <a:ext cx="2377440" cy="1896840"/>
+          </a:xfrm>
+          <a:prstGeom prst="rect">
+            <a:avLst/>
+          </a:prstGeom>
+          <a:ln>
+            <a:noFill/>
+          </a:ln>
+        </p:spPr>
+      </p:pic>
     </p:spTree>
   </p:cSld>
 </p:sldLayout>
@@ -1757,7 +2932,7 @@
       </p:grpSpPr>
       <p:sp>
         <p:nvSpPr>
-          <p:cNvPr id="9" name="PlaceHolder 1"/>
+          <p:cNvPr id="6" name="PlaceHolder 1"/>
           <p:cNvSpPr>
             <a:spLocks noGrp="1"/>
           </p:cNvSpPr>
@@ -1768,7 +2943,7 @@
         <p:spPr>
           <a:xfrm>
             <a:off x="685800" y="2130480"/>
-            <a:ext cx="7772040" cy="1469880"/>
+            <a:ext cx="7771680" cy="1469880"/>
           </a:xfrm>
           <a:prstGeom prst="rect">
             <a:avLst/>
@@ -1777,13 +2952,14 @@
         <p:txBody>
           <a:bodyPr anchor="ctr" bIns="0" lIns="0" rIns="0" tIns="0" wrap="none"/>
           <a:p>
-            <a:endParaRPr/>
-          </a:p>
-        </p:txBody>
-      </p:sp>
-      <p:sp>
-        <p:nvSpPr>
-          <p:cNvPr id="10" name="PlaceHolder 2"/>
+            <a:pPr algn="ctr"/>
+            <a:endParaRPr/>
+          </a:p>
+        </p:txBody>
+      </p:sp>
+      <p:sp>
+        <p:nvSpPr>
+          <p:cNvPr id="7" name="PlaceHolder 2"/>
           <p:cNvSpPr>
             <a:spLocks noGrp="1"/>
           </p:cNvSpPr>
@@ -1809,7 +2985,7 @@
       </p:sp>
       <p:sp>
         <p:nvSpPr>
-          <p:cNvPr id="11" name="PlaceHolder 3"/>
+          <p:cNvPr id="8" name="PlaceHolder 3"/>
           <p:cNvSpPr>
             <a:spLocks noGrp="1"/>
           </p:cNvSpPr>
@@ -1857,7 +3033,7 @@
       </p:grpSpPr>
       <p:sp>
         <p:nvSpPr>
-          <p:cNvPr id="12" name="PlaceHolder 1"/>
+          <p:cNvPr id="9" name="PlaceHolder 1"/>
           <p:cNvSpPr>
             <a:spLocks noGrp="1"/>
           </p:cNvSpPr>
@@ -1868,7 +3044,7 @@
         <p:spPr>
           <a:xfrm>
             <a:off x="685800" y="2130480"/>
-            <a:ext cx="7772040" cy="1469880"/>
+            <a:ext cx="7771680" cy="1469880"/>
           </a:xfrm>
           <a:prstGeom prst="rect">
             <a:avLst/>
@@ -1877,6 +3053,7 @@
         <p:txBody>
           <a:bodyPr anchor="ctr" bIns="0" lIns="0" rIns="0" tIns="0" wrap="none"/>
           <a:p>
+            <a:pPr algn="ctr"/>
             <a:endParaRPr/>
           </a:p>
         </p:txBody>
@@ -1905,7 +3082,7 @@
       </p:grpSpPr>
       <p:sp>
         <p:nvSpPr>
-          <p:cNvPr id="13" name="PlaceHolder 1"/>
+          <p:cNvPr id="10" name="PlaceHolder 1"/>
           <p:cNvSpPr>
             <a:spLocks noGrp="1"/>
           </p:cNvSpPr>
@@ -1916,7 +3093,7 @@
         <p:spPr>
           <a:xfrm>
             <a:off x="685800" y="2130480"/>
-            <a:ext cx="7772040" cy="3451320"/>
+            <a:ext cx="7771680" cy="3451320"/>
           </a:xfrm>
           <a:prstGeom prst="rect">
             <a:avLst/>
@@ -1954,7 +3131,7 @@
       </p:grpSpPr>
       <p:sp>
         <p:nvSpPr>
-          <p:cNvPr id="14" name="PlaceHolder 1"/>
+          <p:cNvPr id="11" name="PlaceHolder 1"/>
           <p:cNvSpPr>
             <a:spLocks noGrp="1"/>
           </p:cNvSpPr>
@@ -1965,7 +3142,7 @@
         <p:spPr>
           <a:xfrm>
             <a:off x="685800" y="2130480"/>
-            <a:ext cx="7772040" cy="1469880"/>
+            <a:ext cx="7771680" cy="1469880"/>
           </a:xfrm>
           <a:prstGeom prst="rect">
             <a:avLst/>
@@ -1974,13 +3151,14 @@
         <p:txBody>
           <a:bodyPr anchor="ctr" bIns="0" lIns="0" rIns="0" tIns="0" wrap="none"/>
           <a:p>
-            <a:endParaRPr/>
-          </a:p>
-        </p:txBody>
-      </p:sp>
-      <p:sp>
-        <p:nvSpPr>
-          <p:cNvPr id="15" name="PlaceHolder 2"/>
+            <a:pPr algn="ctr"/>
+            <a:endParaRPr/>
+          </a:p>
+        </p:txBody>
+      </p:sp>
+      <p:sp>
+        <p:nvSpPr>
+          <p:cNvPr id="12" name="PlaceHolder 2"/>
           <p:cNvSpPr>
             <a:spLocks noGrp="1"/>
           </p:cNvSpPr>
@@ -2006,7 +3184,7 @@
       </p:sp>
       <p:sp>
         <p:nvSpPr>
-          <p:cNvPr id="16" name="PlaceHolder 3"/>
+          <p:cNvPr id="13" name="PlaceHolder 3"/>
           <p:cNvSpPr>
             <a:spLocks noGrp="1"/>
           </p:cNvSpPr>
@@ -2032,7 +3210,7 @@
       </p:sp>
       <p:sp>
         <p:nvSpPr>
-          <p:cNvPr id="17" name="PlaceHolder 4"/>
+          <p:cNvPr id="14" name="PlaceHolder 4"/>
           <p:cNvSpPr>
             <a:spLocks noGrp="1"/>
           </p:cNvSpPr>
@@ -2080,7 +3258,7 @@
       </p:grpSpPr>
       <p:sp>
         <p:nvSpPr>
-          <p:cNvPr id="18" name="PlaceHolder 1"/>
+          <p:cNvPr id="15" name="PlaceHolder 1"/>
           <p:cNvSpPr>
             <a:spLocks noGrp="1"/>
           </p:cNvSpPr>
@@ -2091,7 +3269,7 @@
         <p:spPr>
           <a:xfrm>
             <a:off x="685800" y="2130480"/>
-            <a:ext cx="7772040" cy="1469880"/>
+            <a:ext cx="7771680" cy="1469880"/>
           </a:xfrm>
           <a:prstGeom prst="rect">
             <a:avLst/>
@@ -2100,13 +3278,14 @@
         <p:txBody>
           <a:bodyPr anchor="ctr" bIns="0" lIns="0" rIns="0" tIns="0" wrap="none"/>
           <a:p>
-            <a:endParaRPr/>
-          </a:p>
-        </p:txBody>
-      </p:sp>
-      <p:sp>
-        <p:nvSpPr>
-          <p:cNvPr id="19" name="PlaceHolder 2"/>
+            <a:pPr algn="ctr"/>
+            <a:endParaRPr/>
+          </a:p>
+        </p:txBody>
+      </p:sp>
+      <p:sp>
+        <p:nvSpPr>
+          <p:cNvPr id="16" name="PlaceHolder 2"/>
           <p:cNvSpPr>
             <a:spLocks noGrp="1"/>
           </p:cNvSpPr>
@@ -2132,7 +3311,7 @@
       </p:sp>
       <p:sp>
         <p:nvSpPr>
-          <p:cNvPr id="20" name="PlaceHolder 3"/>
+          <p:cNvPr id="17" name="PlaceHolder 3"/>
           <p:cNvSpPr>
             <a:spLocks noGrp="1"/>
           </p:cNvSpPr>
@@ -2158,7 +3337,7 @@
       </p:sp>
       <p:sp>
         <p:nvSpPr>
-          <p:cNvPr id="21" name="PlaceHolder 4"/>
+          <p:cNvPr id="18" name="PlaceHolder 4"/>
           <p:cNvSpPr>
             <a:spLocks noGrp="1"/>
           </p:cNvSpPr>
@@ -2206,7 +3385,7 @@
       </p:grpSpPr>
       <p:sp>
         <p:nvSpPr>
-          <p:cNvPr id="22" name="PlaceHolder 1"/>
+          <p:cNvPr id="19" name="PlaceHolder 1"/>
           <p:cNvSpPr>
             <a:spLocks noGrp="1"/>
           </p:cNvSpPr>
@@ -2217,7 +3396,7 @@
         <p:spPr>
           <a:xfrm>
             <a:off x="685800" y="2130480"/>
-            <a:ext cx="7772040" cy="1469880"/>
+            <a:ext cx="7771680" cy="1469880"/>
           </a:xfrm>
           <a:prstGeom prst="rect">
             <a:avLst/>
@@ -2226,13 +3405,14 @@
         <p:txBody>
           <a:bodyPr anchor="ctr" bIns="0" lIns="0" rIns="0" tIns="0" wrap="none"/>
           <a:p>
-            <a:endParaRPr/>
-          </a:p>
-        </p:txBody>
-      </p:sp>
-      <p:sp>
-        <p:nvSpPr>
-          <p:cNvPr id="23" name="PlaceHolder 2"/>
+            <a:pPr algn="ctr"/>
+            <a:endParaRPr/>
+          </a:p>
+        </p:txBody>
+      </p:sp>
+      <p:sp>
+        <p:nvSpPr>
+          <p:cNvPr id="20" name="PlaceHolder 2"/>
           <p:cNvSpPr>
             <a:spLocks noGrp="1"/>
           </p:cNvSpPr>
@@ -2258,7 +3438,7 @@
       </p:sp>
       <p:sp>
         <p:nvSpPr>
-          <p:cNvPr id="24" name="PlaceHolder 3"/>
+          <p:cNvPr id="21" name="PlaceHolder 3"/>
           <p:cNvSpPr>
             <a:spLocks noGrp="1"/>
           </p:cNvSpPr>
@@ -2284,7 +3464,7 @@
       </p:sp>
       <p:sp>
         <p:nvSpPr>
-          <p:cNvPr id="25" name="PlaceHolder 4"/>
+          <p:cNvPr id="22" name="PlaceHolder 4"/>
           <p:cNvSpPr>
             <a:spLocks noGrp="1"/>
           </p:cNvSpPr>
@@ -2350,28 +3530,18 @@
         <p:spPr>
           <a:xfrm>
             <a:off x="685800" y="2130480"/>
-            <a:ext cx="7772040" cy="1469520"/>
-          </a:xfrm>
-          <a:prstGeom prst="rect">
-            <a:avLst/>
-          </a:prstGeom>
-        </p:spPr>
-        <p:txBody>
-          <a:bodyPr anchor="ctr"/>
-          <a:p>
-            <a:pPr algn="ctr">
-              <a:lnSpc>
-                <a:spcPct val="100000"/>
-              </a:lnSpc>
-            </a:pPr>
+            <a:ext cx="7771680" cy="1469520"/>
+          </a:xfrm>
+          <a:prstGeom prst="rect">
+            <a:avLst/>
+          </a:prstGeom>
+        </p:spPr>
+        <p:txBody>
+          <a:bodyPr anchor="ctr" bIns="0" lIns="0" rIns="0" tIns="0" wrap="none"/>
+          <a:p>
             <a:r>
-              <a:rPr lang="pl-PL" sz="4400">
-                <a:solidFill>
-                  <a:srgbClr val="000000"/>
-                </a:solidFill>
-                <a:latin typeface="Calibri"/>
-              </a:rPr>
-              <a:t>Kliknij, aby edytować format tekstu tytułuKliknij, aby edytować styl</a:t>
+              <a:rPr lang="pl-PL"/>
+              <a:t>Kliknij, aby edytować format tekstu tytułu</a:t>
             </a:r>
             <a:endParaRPr/>
           </a:p>
@@ -2380,112 +3550,6 @@
       <p:sp>
         <p:nvSpPr>
           <p:cNvPr id="1" name="PlaceHolder 2"/>
-          <p:cNvSpPr>
-            <a:spLocks noGrp="1"/>
-          </p:cNvSpPr>
-          <p:nvPr>
-            <p:ph type="dt"/>
-          </p:nvPr>
-        </p:nvSpPr>
-        <p:spPr>
-          <a:xfrm>
-            <a:off x="457200" y="6356520"/>
-            <a:ext cx="2133360" cy="364680"/>
-          </a:xfrm>
-          <a:prstGeom prst="rect">
-            <a:avLst/>
-          </a:prstGeom>
-        </p:spPr>
-        <p:txBody>
-          <a:bodyPr anchor="ctr"/>
-          <a:p>
-            <a:pPr>
-              <a:lnSpc>
-                <a:spcPct val="100000"/>
-              </a:lnSpc>
-            </a:pPr>
-            <a:r>
-              <a:rPr lang="pl-PL" sz="1200">
-                <a:solidFill>
-                  <a:srgbClr val="8b8b8b"/>
-                </a:solidFill>
-                <a:latin typeface="Calibri"/>
-              </a:rPr>
-              <a:t>14-5-20</a:t>
-            </a:r>
-            <a:endParaRPr/>
-          </a:p>
-        </p:txBody>
-      </p:sp>
-      <p:sp>
-        <p:nvSpPr>
-          <p:cNvPr id="2" name="PlaceHolder 3"/>
-          <p:cNvSpPr>
-            <a:spLocks noGrp="1"/>
-          </p:cNvSpPr>
-          <p:nvPr>
-            <p:ph type="ftr"/>
-          </p:nvPr>
-        </p:nvSpPr>
-        <p:spPr>
-          <a:xfrm>
-            <a:off x="3124080" y="6356520"/>
-            <a:ext cx="2895120" cy="364680"/>
-          </a:xfrm>
-          <a:prstGeom prst="rect">
-            <a:avLst/>
-          </a:prstGeom>
-        </p:spPr>
-        <p:txBody>
-          <a:bodyPr anchor="ctr"/>
-          <a:p>
-            <a:endParaRPr/>
-          </a:p>
-        </p:txBody>
-      </p:sp>
-      <p:sp>
-        <p:nvSpPr>
-          <p:cNvPr id="3" name="PlaceHolder 4"/>
-          <p:cNvSpPr>
-            <a:spLocks noGrp="1"/>
-          </p:cNvSpPr>
-          <p:nvPr>
-            <p:ph type="sldNum"/>
-          </p:nvPr>
-        </p:nvSpPr>
-        <p:spPr>
-          <a:xfrm>
-            <a:off x="6553080" y="6356520"/>
-            <a:ext cx="2133360" cy="364680"/>
-          </a:xfrm>
-          <a:prstGeom prst="rect">
-            <a:avLst/>
-          </a:prstGeom>
-        </p:spPr>
-        <p:txBody>
-          <a:bodyPr anchor="ctr"/>
-          <a:p>
-            <a:pPr algn="r">
-              <a:lnSpc>
-                <a:spcPct val="100000"/>
-              </a:lnSpc>
-            </a:pPr>
-            <a:fld id="{3E0A8FB9-BB58-471B-BE49-23AFC29EF90C}" type="slidenum">
-              <a:rPr lang="pl-PL" sz="1200">
-                <a:solidFill>
-                  <a:srgbClr val="8b8b8b"/>
-                </a:solidFill>
-                <a:latin typeface="Calibri"/>
-              </a:rPr>
-              <a:t>&lt;numer&gt;</a:t>
-            </a:fld>
-            <a:endParaRPr/>
-          </a:p>
-        </p:txBody>
-      </p:sp>
-      <p:sp>
-        <p:nvSpPr>
-          <p:cNvPr id="4" name="PlaceHolder 5"/>
           <p:cNvSpPr>
             <a:spLocks noGrp="1"/>
           </p:cNvSpPr>
@@ -2636,7 +3700,7 @@
       </p:grpSpPr>
       <p:sp>
         <p:nvSpPr>
-          <p:cNvPr id="39" name="PlaceHolder 1"/>
+          <p:cNvPr id="36" name="PlaceHolder 1"/>
           <p:cNvSpPr>
             <a:spLocks noGrp="1"/>
           </p:cNvSpPr>
@@ -2646,29 +3710,20 @@
         </p:nvSpPr>
         <p:spPr>
           <a:xfrm>
-            <a:off x="457200" y="274680"/>
-            <a:ext cx="8229240" cy="1142640"/>
-          </a:xfrm>
-          <a:prstGeom prst="rect">
-            <a:avLst/>
-          </a:prstGeom>
-        </p:spPr>
-        <p:txBody>
-          <a:bodyPr anchor="ctr"/>
-          <a:p>
-            <a:pPr algn="ctr">
-              <a:lnSpc>
-                <a:spcPct val="100000"/>
-              </a:lnSpc>
-            </a:pPr>
+            <a:off x="457200" y="273600"/>
+            <a:ext cx="8229240" cy="1144800"/>
+          </a:xfrm>
+          <a:prstGeom prst="rect">
+            <a:avLst/>
+          </a:prstGeom>
+        </p:spPr>
+        <p:txBody>
+          <a:bodyPr anchor="ctr" bIns="0" lIns="0" rIns="0" tIns="0" wrap="none"/>
+          <a:p>
+            <a:pPr algn="ctr"/>
             <a:r>
-              <a:rPr lang="pl-PL" sz="4400">
-                <a:solidFill>
-                  <a:srgbClr val="000000"/>
-                </a:solidFill>
-                <a:latin typeface="Calibri"/>
-              </a:rPr>
-              <a:t>Kliknij, aby edytować format tekstu tytułuKliknij, aby edytować styl</a:t>
+              <a:rPr lang="pl-PL"/>
+              <a:t>Kliknij, aby edytować format tekstu tytułu</a:t>
             </a:r>
             <a:endParaRPr/>
           </a:p>
@@ -2676,25 +3731,25 @@
       </p:sp>
       <p:sp>
         <p:nvSpPr>
-          <p:cNvPr id="40" name="PlaceHolder 2"/>
-          <p:cNvSpPr>
-            <a:spLocks noGrp="1"/>
-          </p:cNvSpPr>
-          <p:nvPr>
-            <p:ph type="body"/>
-          </p:nvPr>
-        </p:nvSpPr>
-        <p:spPr>
-          <a:xfrm>
-            <a:off x="457200" y="1600200"/>
-            <a:ext cx="8229240" cy="4525560"/>
-          </a:xfrm>
-          <a:prstGeom prst="rect">
-            <a:avLst/>
-          </a:prstGeom>
-        </p:spPr>
-        <p:txBody>
-          <a:bodyPr/>
+          <p:cNvPr id="37" name="PlaceHolder 2"/>
+          <p:cNvSpPr>
+            <a:spLocks noGrp="1"/>
+          </p:cNvSpPr>
+          <p:nvPr>
+            <p:ph type="body"/>
+          </p:nvPr>
+        </p:nvSpPr>
+        <p:spPr>
+          <a:xfrm>
+            <a:off x="457200" y="1604520"/>
+            <a:ext cx="8229240" cy="3977280"/>
+          </a:xfrm>
+          <a:prstGeom prst="rect">
+            <a:avLst/>
+          </a:prstGeom>
+        </p:spPr>
+        <p:txBody>
+          <a:bodyPr bIns="0" lIns="0" rIns="0" tIns="0" wrap="none"/>
           <a:p>
             <a:pPr>
               <a:buSzPct val="25000"/>
@@ -2702,12 +3757,7 @@
               <a:buChar char=""/>
             </a:pPr>
             <a:r>
-              <a:rPr lang="pl-PL" sz="3200">
-                <a:solidFill>
-                  <a:srgbClr val="000000"/>
-                </a:solidFill>
-                <a:latin typeface="Calibri"/>
-              </a:rPr>
+              <a:rPr lang="pl-PL"/>
               <a:t>Kliknij, aby edytować format tekstu konspektu</a:t>
             </a:r>
             <a:endParaRPr/>
@@ -2719,12 +3769,7 @@
               <a:buChar char=""/>
             </a:pPr>
             <a:r>
-              <a:rPr lang="pl-PL" sz="3200">
-                <a:solidFill>
-                  <a:srgbClr val="000000"/>
-                </a:solidFill>
-                <a:latin typeface="Calibri"/>
-              </a:rPr>
+              <a:rPr lang="pl-PL"/>
               <a:t>Drugi poziom konspektu</a:t>
             </a:r>
             <a:endParaRPr/>
@@ -2736,12 +3781,7 @@
               <a:buChar char=""/>
             </a:pPr>
             <a:r>
-              <a:rPr lang="pl-PL" sz="3200">
-                <a:solidFill>
-                  <a:srgbClr val="000000"/>
-                </a:solidFill>
-                <a:latin typeface="Calibri"/>
-              </a:rPr>
+              <a:rPr lang="pl-PL"/>
               <a:t>Trzeci poziom konspektu</a:t>
             </a:r>
             <a:endParaRPr/>
@@ -2753,12 +3793,7 @@
               <a:buChar char=""/>
             </a:pPr>
             <a:r>
-              <a:rPr lang="pl-PL" sz="3200">
-                <a:solidFill>
-                  <a:srgbClr val="000000"/>
-                </a:solidFill>
-                <a:latin typeface="Calibri"/>
-              </a:rPr>
+              <a:rPr lang="pl-PL"/>
               <a:t>Czwarty poziom konspektu</a:t>
             </a:r>
             <a:endParaRPr/>
@@ -2770,12 +3805,7 @@
               <a:buChar char=""/>
             </a:pPr>
             <a:r>
-              <a:rPr lang="pl-PL" sz="3200">
-                <a:solidFill>
-                  <a:srgbClr val="000000"/>
-                </a:solidFill>
-                <a:latin typeface="Calibri"/>
-              </a:rPr>
+              <a:rPr lang="pl-PL"/>
               <a:t>Piąty poziom konspektu</a:t>
             </a:r>
             <a:endParaRPr/>
@@ -2787,215 +3817,21 @@
               <a:buChar char=""/>
             </a:pPr>
             <a:r>
-              <a:rPr lang="pl-PL" sz="3200">
-                <a:solidFill>
-                  <a:srgbClr val="000000"/>
-                </a:solidFill>
-                <a:latin typeface="Calibri"/>
-              </a:rPr>
+              <a:rPr lang="pl-PL"/>
               <a:t>Szósty poziom konspektu</a:t>
             </a:r>
             <a:endParaRPr/>
           </a:p>
           <a:p>
-            <a:pPr>
-              <a:lnSpc>
-                <a:spcPct val="100000"/>
-              </a:lnSpc>
-              <a:buFont typeface="Arial"/>
-              <a:buChar char="•"/>
+            <a:pPr lvl="6">
+              <a:buSzPct val="25000"/>
+              <a:buFont typeface="StarSymbol"/>
+              <a:buChar char=""/>
             </a:pPr>
             <a:r>
-              <a:rPr lang="pl-PL" sz="3200">
-                <a:solidFill>
-                  <a:srgbClr val="000000"/>
-                </a:solidFill>
-                <a:latin typeface="Calibri"/>
-              </a:rPr>
-              <a:t>Siódmy poziom konspektuKliknij, aby edytować style wzorca tekstu</a:t>
+              <a:rPr lang="pl-PL"/>
+              <a:t>Siódmy poziom konspektu</a:t>
             </a:r>
-            <a:endParaRPr/>
-          </a:p>
-          <a:p>
-            <a:pPr lvl="1">
-              <a:lnSpc>
-                <a:spcPct val="100000"/>
-              </a:lnSpc>
-              <a:buFont typeface="Arial"/>
-              <a:buChar char="–"/>
-            </a:pPr>
-            <a:r>
-              <a:rPr lang="pl-PL" sz="2800">
-                <a:solidFill>
-                  <a:srgbClr val="000000"/>
-                </a:solidFill>
-                <a:latin typeface="Calibri"/>
-              </a:rPr>
-              <a:t>Drugi poziom</a:t>
-            </a:r>
-            <a:endParaRPr/>
-          </a:p>
-          <a:p>
-            <a:pPr lvl="2">
-              <a:lnSpc>
-                <a:spcPct val="100000"/>
-              </a:lnSpc>
-              <a:buFont typeface="Arial"/>
-              <a:buChar char="•"/>
-            </a:pPr>
-            <a:r>
-              <a:rPr lang="pl-PL" sz="2400">
-                <a:solidFill>
-                  <a:srgbClr val="000000"/>
-                </a:solidFill>
-                <a:latin typeface="Calibri"/>
-              </a:rPr>
-              <a:t>Trzeci poziom</a:t>
-            </a:r>
-            <a:endParaRPr/>
-          </a:p>
-          <a:p>
-            <a:pPr lvl="3">
-              <a:lnSpc>
-                <a:spcPct val="100000"/>
-              </a:lnSpc>
-              <a:buFont typeface="Arial"/>
-              <a:buChar char="–"/>
-            </a:pPr>
-            <a:r>
-              <a:rPr lang="pl-PL" sz="2000">
-                <a:solidFill>
-                  <a:srgbClr val="000000"/>
-                </a:solidFill>
-                <a:latin typeface="Calibri"/>
-              </a:rPr>
-              <a:t>Czwarty poziom</a:t>
-            </a:r>
-            <a:endParaRPr/>
-          </a:p>
-          <a:p>
-            <a:pPr lvl="4">
-              <a:lnSpc>
-                <a:spcPct val="100000"/>
-              </a:lnSpc>
-              <a:buFont typeface="Arial"/>
-              <a:buChar char="»"/>
-            </a:pPr>
-            <a:r>
-              <a:rPr lang="pl-PL" sz="2000">
-                <a:solidFill>
-                  <a:srgbClr val="000000"/>
-                </a:solidFill>
-                <a:latin typeface="Calibri"/>
-              </a:rPr>
-              <a:t>Piąty poziom</a:t>
-            </a:r>
-            <a:endParaRPr/>
-          </a:p>
-        </p:txBody>
-      </p:sp>
-      <p:sp>
-        <p:nvSpPr>
-          <p:cNvPr id="41" name="PlaceHolder 3"/>
-          <p:cNvSpPr>
-            <a:spLocks noGrp="1"/>
-          </p:cNvSpPr>
-          <p:nvPr>
-            <p:ph type="dt"/>
-          </p:nvPr>
-        </p:nvSpPr>
-        <p:spPr>
-          <a:xfrm>
-            <a:off x="457200" y="6356520"/>
-            <a:ext cx="2133360" cy="364680"/>
-          </a:xfrm>
-          <a:prstGeom prst="rect">
-            <a:avLst/>
-          </a:prstGeom>
-        </p:spPr>
-        <p:txBody>
-          <a:bodyPr anchor="ctr"/>
-          <a:p>
-            <a:pPr>
-              <a:lnSpc>
-                <a:spcPct val="100000"/>
-              </a:lnSpc>
-            </a:pPr>
-            <a:r>
-              <a:rPr lang="pl-PL" sz="1200">
-                <a:solidFill>
-                  <a:srgbClr val="8b8b8b"/>
-                </a:solidFill>
-                <a:latin typeface="Calibri"/>
-              </a:rPr>
-              <a:t>14-5-20</a:t>
-            </a:r>
-            <a:endParaRPr/>
-          </a:p>
-        </p:txBody>
-      </p:sp>
-      <p:sp>
-        <p:nvSpPr>
-          <p:cNvPr id="42" name="PlaceHolder 4"/>
-          <p:cNvSpPr>
-            <a:spLocks noGrp="1"/>
-          </p:cNvSpPr>
-          <p:nvPr>
-            <p:ph type="ftr"/>
-          </p:nvPr>
-        </p:nvSpPr>
-        <p:spPr>
-          <a:xfrm>
-            <a:off x="3124080" y="6356520"/>
-            <a:ext cx="2895120" cy="364680"/>
-          </a:xfrm>
-          <a:prstGeom prst="rect">
-            <a:avLst/>
-          </a:prstGeom>
-        </p:spPr>
-        <p:txBody>
-          <a:bodyPr anchor="ctr"/>
-          <a:p>
-            <a:endParaRPr/>
-          </a:p>
-        </p:txBody>
-      </p:sp>
-      <p:sp>
-        <p:nvSpPr>
-          <p:cNvPr id="43" name="PlaceHolder 5"/>
-          <p:cNvSpPr>
-            <a:spLocks noGrp="1"/>
-          </p:cNvSpPr>
-          <p:nvPr>
-            <p:ph type="sldNum"/>
-          </p:nvPr>
-        </p:nvSpPr>
-        <p:spPr>
-          <a:xfrm>
-            <a:off x="6553080" y="6356520"/>
-            <a:ext cx="2133360" cy="364680"/>
-          </a:xfrm>
-          <a:prstGeom prst="rect">
-            <a:avLst/>
-          </a:prstGeom>
-        </p:spPr>
-        <p:txBody>
-          <a:bodyPr anchor="ctr"/>
-          <a:p>
-            <a:pPr algn="r">
-              <a:lnSpc>
-                <a:spcPct val="100000"/>
-              </a:lnSpc>
-            </a:pPr>
-            <a:fld id="{18EDBBB3-3F36-4B8D-A651-69FF1FBF1C51}" type="slidenum">
-              <a:rPr lang="pl-PL" sz="1200">
-                <a:solidFill>
-                  <a:srgbClr val="8b8b8b"/>
-                </a:solidFill>
-                <a:latin typeface="Calibri"/>
-              </a:rPr>
-              <a:t>&lt;numer&gt;</a:t>
-            </a:fld>
             <a:endParaRPr/>
           </a:p>
         </p:txBody>
@@ -3016,6 +3852,187 @@
     <p:sldLayoutId id="2147483671" r:id="rId11"/>
     <p:sldLayoutId id="2147483672" r:id="rId12"/>
     <p:sldLayoutId id="2147483673" r:id="rId13"/>
+  </p:sldLayoutIdLst>
+</p:sldMaster>
+</file>
+
+<file path=ppt/slideMasters/slideMaster3.xml><?xml version="1.0" encoding="utf-8"?>
+<p:sldMaster xmlns:a="http://schemas.openxmlformats.org/drawingml/2006/main" xmlns:p="http://schemas.openxmlformats.org/presentationml/2006/main" xmlns:r="http://schemas.openxmlformats.org/officeDocument/2006/relationships">
+  <p:cSld>
+    <p:bg>
+      <p:bgPr>
+        <a:solidFill>
+          <a:srgbClr val="ffffff"/>
+        </a:solidFill>
+      </p:bgPr>
+    </p:bg>
+    <p:spTree>
+      <p:nvGrpSpPr>
+        <p:cNvPr id="1" name=""/>
+        <p:cNvGrpSpPr/>
+        <p:nvPr/>
+      </p:nvGrpSpPr>
+      <p:grpSpPr>
+        <a:xfrm>
+          <a:off x="0" y="0"/>
+          <a:ext cx="0" cy="0"/>
+          <a:chOff x="0" y="0"/>
+          <a:chExt cx="0" cy="0"/>
+        </a:xfrm>
+      </p:grpSpPr>
+      <p:sp>
+        <p:nvSpPr>
+          <p:cNvPr id="72" name="PlaceHolder 1"/>
+          <p:cNvSpPr>
+            <a:spLocks noGrp="1"/>
+          </p:cNvSpPr>
+          <p:nvPr>
+            <p:ph type="title"/>
+          </p:nvPr>
+        </p:nvSpPr>
+        <p:spPr>
+          <a:xfrm>
+            <a:off x="685800" y="2130480"/>
+            <a:ext cx="7771680" cy="1469520"/>
+          </a:xfrm>
+          <a:prstGeom prst="rect">
+            <a:avLst/>
+          </a:prstGeom>
+        </p:spPr>
+        <p:txBody>
+          <a:bodyPr anchor="ctr" bIns="0" lIns="0" rIns="0" tIns="0" wrap="none"/>
+          <a:p>
+            <a:r>
+              <a:rPr lang="pl-PL"/>
+              <a:t>Kliknij, aby edytować format tekstu tytułu</a:t>
+            </a:r>
+            <a:endParaRPr/>
+          </a:p>
+        </p:txBody>
+      </p:sp>
+      <p:sp>
+        <p:nvSpPr>
+          <p:cNvPr id="73" name="PlaceHolder 2"/>
+          <p:cNvSpPr>
+            <a:spLocks noGrp="1"/>
+          </p:cNvSpPr>
+          <p:nvPr>
+            <p:ph type="body"/>
+          </p:nvPr>
+        </p:nvSpPr>
+        <p:spPr>
+          <a:xfrm>
+            <a:off x="457200" y="1604520"/>
+            <a:ext cx="8228880" cy="3976920"/>
+          </a:xfrm>
+          <a:prstGeom prst="rect">
+            <a:avLst/>
+          </a:prstGeom>
+        </p:spPr>
+        <p:txBody>
+          <a:bodyPr bIns="0" lIns="0" rIns="0" tIns="0" wrap="none"/>
+          <a:p>
+            <a:pPr>
+              <a:buSzPct val="25000"/>
+              <a:buFont typeface="StarSymbol"/>
+              <a:buChar char=""/>
+            </a:pPr>
+            <a:r>
+              <a:rPr lang="pl-PL"/>
+              <a:t>Kliknij, aby edytować format tekstu konspektu</a:t>
+            </a:r>
+            <a:endParaRPr/>
+          </a:p>
+          <a:p>
+            <a:pPr lvl="1">
+              <a:buSzPct val="25000"/>
+              <a:buFont typeface="StarSymbol"/>
+              <a:buChar char=""/>
+            </a:pPr>
+            <a:r>
+              <a:rPr lang="pl-PL"/>
+              <a:t>Drugi poziom konspektu</a:t>
+            </a:r>
+            <a:endParaRPr/>
+          </a:p>
+          <a:p>
+            <a:pPr lvl="2">
+              <a:buSzPct val="25000"/>
+              <a:buFont typeface="StarSymbol"/>
+              <a:buChar char=""/>
+            </a:pPr>
+            <a:r>
+              <a:rPr lang="pl-PL"/>
+              <a:t>Trzeci poziom konspektu</a:t>
+            </a:r>
+            <a:endParaRPr/>
+          </a:p>
+          <a:p>
+            <a:pPr lvl="3">
+              <a:buSzPct val="25000"/>
+              <a:buFont typeface="StarSymbol"/>
+              <a:buChar char=""/>
+            </a:pPr>
+            <a:r>
+              <a:rPr lang="pl-PL"/>
+              <a:t>Czwarty poziom konspektu</a:t>
+            </a:r>
+            <a:endParaRPr/>
+          </a:p>
+          <a:p>
+            <a:pPr lvl="4">
+              <a:buSzPct val="25000"/>
+              <a:buFont typeface="StarSymbol"/>
+              <a:buChar char=""/>
+            </a:pPr>
+            <a:r>
+              <a:rPr lang="pl-PL"/>
+              <a:t>Piąty poziom konspektu</a:t>
+            </a:r>
+            <a:endParaRPr/>
+          </a:p>
+          <a:p>
+            <a:pPr lvl="5">
+              <a:buSzPct val="25000"/>
+              <a:buFont typeface="StarSymbol"/>
+              <a:buChar char=""/>
+            </a:pPr>
+            <a:r>
+              <a:rPr lang="pl-PL"/>
+              <a:t>Szósty poziom konspektu</a:t>
+            </a:r>
+            <a:endParaRPr/>
+          </a:p>
+          <a:p>
+            <a:pPr lvl="6">
+              <a:buSzPct val="25000"/>
+              <a:buFont typeface="StarSymbol"/>
+              <a:buChar char=""/>
+            </a:pPr>
+            <a:r>
+              <a:rPr lang="pl-PL"/>
+              <a:t>Siódmy poziom konspektu</a:t>
+            </a:r>
+            <a:endParaRPr/>
+          </a:p>
+        </p:txBody>
+      </p:sp>
+    </p:spTree>
+  </p:cSld>
+  <p:clrMap accent1="accent1" accent2="accent2" accent3="accent3" accent4="accent4" accent5="accent5" accent6="accent6" bg1="lt1" bg2="lt2" folHlink="folHlink" hlink="hlink" tx1="dk1" tx2="dk2"/>
+  <p:sldLayoutIdLst>
+    <p:sldLayoutId id="2147483675" r:id="rId2"/>
+    <p:sldLayoutId id="2147483676" r:id="rId3"/>
+    <p:sldLayoutId id="2147483677" r:id="rId4"/>
+    <p:sldLayoutId id="2147483678" r:id="rId5"/>
+    <p:sldLayoutId id="2147483679" r:id="rId6"/>
+    <p:sldLayoutId id="2147483680" r:id="rId7"/>
+    <p:sldLayoutId id="2147483681" r:id="rId8"/>
+    <p:sldLayoutId id="2147483682" r:id="rId9"/>
+    <p:sldLayoutId id="2147483683" r:id="rId10"/>
+    <p:sldLayoutId id="2147483684" r:id="rId11"/>
+    <p:sldLayoutId id="2147483685" r:id="rId12"/>
+    <p:sldLayoutId id="2147483686" r:id="rId13"/>
   </p:sldLayoutIdLst>
 </p:sldMaster>
 </file>
@@ -3039,7 +4056,7 @@
       </p:grpSpPr>
       <p:pic>
         <p:nvPicPr>
-          <p:cNvPr descr="" id="78" name="Obraz 3"/>
+          <p:cNvPr descr="" id="108" name="Obraz 3"/>
           <p:cNvPicPr/>
           <p:nvPr/>
         </p:nvPicPr>
@@ -3052,7 +4069,7 @@
         <p:spPr>
           <a:xfrm>
             <a:off x="7189920" y="367200"/>
-            <a:ext cx="1578240" cy="582120"/>
+            <a:ext cx="1577880" cy="581760"/>
           </a:xfrm>
           <a:prstGeom prst="rect">
             <a:avLst/>
@@ -3064,7 +4081,7 @@
       </p:pic>
       <p:pic>
         <p:nvPicPr>
-          <p:cNvPr descr="" id="79" name="Obraz 4"/>
+          <p:cNvPr descr="" id="109" name="Obraz 4"/>
           <p:cNvPicPr/>
           <p:nvPr/>
         </p:nvPicPr>
@@ -3077,7 +4094,7 @@
         <p:spPr>
           <a:xfrm>
             <a:off x="323640" y="118800"/>
-            <a:ext cx="2218680" cy="1078560"/>
+            <a:ext cx="2218320" cy="1078200"/>
           </a:xfrm>
           <a:prstGeom prst="rect">
             <a:avLst/>
@@ -3089,7 +4106,7 @@
       </p:pic>
       <p:pic>
         <p:nvPicPr>
-          <p:cNvPr descr="" id="80" name="Obraz 5"/>
+          <p:cNvPr descr="" id="110" name="Obraz 5"/>
           <p:cNvPicPr/>
           <p:nvPr/>
         </p:nvPicPr>
@@ -3102,7 +4119,7 @@
         <p:spPr>
           <a:xfrm>
             <a:off x="4219200" y="423000"/>
-            <a:ext cx="653400" cy="470520"/>
+            <a:ext cx="653040" cy="470160"/>
           </a:xfrm>
           <a:prstGeom prst="rect">
             <a:avLst/>
@@ -3114,14 +4131,14 @@
       </p:pic>
       <p:sp>
         <p:nvSpPr>
-          <p:cNvPr id="81" name="CustomShape 1"/>
+          <p:cNvPr id="111" name="CustomShape 1"/>
           <p:cNvSpPr/>
           <p:nvPr/>
         </p:nvSpPr>
         <p:spPr>
           <a:xfrm>
             <a:off x="323640" y="1198080"/>
-            <a:ext cx="8444880" cy="425160"/>
+            <a:ext cx="8444520" cy="424800"/>
           </a:xfrm>
           <a:prstGeom prst="rect">
             <a:avLst/>
@@ -3134,11 +4151,6 @@
         <p:txBody>
           <a:bodyPr bIns="45000" lIns="90000" rIns="90000" tIns="45000"/>
           <a:p>
-            <a:pPr algn="ctr">
-              <a:lnSpc>
-                <a:spcPct val="100000"/>
-              </a:lnSpc>
-            </a:pPr>
             <a:r>
               <a:rPr b="1" lang="pl-PL" sz="1100">
                 <a:solidFill>
@@ -3157,16 +4169,14 @@
               </a:rPr>
               <a:t>Program rozwoju Uniwersytetu Gdańskiego w obszarach Europa 2020 (UG2020) </a:t>
             </a:r>
-            <a:r>
-              <a:rPr b="1" i="1" lang="pl-PL" sz="1100">
-                <a:solidFill>
-                  <a:srgbClr val="000000"/>
-                </a:solidFill>
-                <a:latin typeface="Calibri"/>
-              </a:rPr>
-              <a:t>
-</a:t>
-            </a:r>
+            <a:endParaRPr/>
+          </a:p>
+          <a:p>
+            <a:pPr algn="ctr">
+              <a:lnSpc>
+                <a:spcPct val="100000"/>
+              </a:lnSpc>
+            </a:pPr>
             <a:r>
               <a:rPr b="1" lang="pl-PL" sz="1100">
                 <a:solidFill>
@@ -3182,21 +4192,25 @@
       </p:sp>
       <p:sp>
         <p:nvSpPr>
-          <p:cNvPr id="82" name="TextShape 2"/>
-          <p:cNvSpPr txBox="1"/>
+          <p:cNvPr id="112" name="CustomShape 2"/>
+          <p:cNvSpPr/>
           <p:nvPr/>
         </p:nvSpPr>
         <p:spPr>
           <a:xfrm>
             <a:off x="0" y="6520320"/>
-            <a:ext cx="9143640" cy="364680"/>
-          </a:xfrm>
-          <a:prstGeom prst="rect">
-            <a:avLst/>
-          </a:prstGeom>
-        </p:spPr>
-        <p:txBody>
-          <a:bodyPr anchor="ctr"/>
+            <a:ext cx="9143280" cy="364320"/>
+          </a:xfrm>
+          <a:prstGeom prst="rect">
+            <a:avLst/>
+          </a:prstGeom>
+          <a:noFill/>
+          <a:ln>
+            <a:noFill/>
+          </a:ln>
+        </p:spPr>
+        <p:txBody>
+          <a:bodyPr anchor="ctr" bIns="45000" lIns="90000" rIns="90000" tIns="45000"/>
           <a:p>
             <a:pPr algn="ctr">
               <a:lnSpc>
@@ -3218,255 +4232,116 @@
       </p:sp>
       <p:sp>
         <p:nvSpPr>
-          <p:cNvPr id="83" name="TextShape 3"/>
-          <p:cNvSpPr txBox="1"/>
+          <p:cNvPr id="113" name="CustomShape 3"/>
+          <p:cNvSpPr/>
           <p:nvPr/>
         </p:nvSpPr>
         <p:spPr>
           <a:xfrm>
-            <a:off x="2952000" y="1813680"/>
-            <a:ext cx="3489480" cy="373680"/>
-          </a:xfrm>
-          <a:prstGeom prst="rect">
-            <a:avLst/>
-          </a:prstGeom>
+            <a:off x="2664000" y="2866680"/>
+            <a:ext cx="3489120" cy="373320"/>
+          </a:xfrm>
+          <a:prstGeom prst="rect">
+            <a:avLst/>
+          </a:prstGeom>
+          <a:noFill/>
+          <a:ln>
+            <a:noFill/>
+          </a:ln>
         </p:spPr>
         <p:txBody>
           <a:bodyPr bIns="45000" lIns="90000" rIns="90000" tIns="45000" wrap="none"/>
           <a:p>
-            <a:pPr algn="ctr"/>
+            <a:pPr algn="ctr">
+              <a:lnSpc>
+                <a:spcPct val="100000"/>
+              </a:lnSpc>
+            </a:pPr>
             <a:r>
-              <a:rPr b="1" lang="pl-PL" sz="2000"/>
-              <a:t>Ruby – testowanie aplikacji</a:t>
-            </a:r>
-            <a:endParaRPr/>
-          </a:p>
-        </p:txBody>
-      </p:sp>
-      <p:sp>
-        <p:nvSpPr>
-          <p:cNvPr id="84" name="TextShape 4"/>
-          <p:cNvSpPr txBox="1"/>
-          <p:nvPr/>
-        </p:nvSpPr>
-        <p:spPr>
-          <a:xfrm>
-            <a:off x="1518480" y="2670480"/>
-            <a:ext cx="4924440" cy="1512000"/>
-          </a:xfrm>
-          <a:prstGeom prst="rect">
-            <a:avLst/>
-          </a:prstGeom>
-        </p:spPr>
-        <p:txBody>
-          <a:bodyPr bIns="45000" lIns="90000" rIns="90000" tIns="45000" wrap="none"/>
-          <a:p>
-            <a:pPr algn="just"/>
-            <a:r>
-              <a:rPr b="1" lang="pl-PL"/>
-              <a:t>Wykład 1.</a:t>
+              <a:rPr b="1" lang="pl-PL" sz="3600"/>
+              <a:t>Testowanie</a:t>
             </a:r>
             <a:r>
-              <a:rPr lang="pl-PL"/>
-              <a:t> Wprowadzenie do języka Ruby.</a:t>
+              <a:rPr b="1" lang="pl-PL" sz="2800"/>
+              <a:t> </a:t>
             </a:r>
-            <a:endParaRPr/>
-          </a:p>
-          <a:p>
-            <a:pPr algn="just"/>
-            <a:endParaRPr/>
-          </a:p>
-          <a:p>
-            <a:pPr algn="just">
-              <a:buSzPct val="25000"/>
-              <a:buFont typeface="StarSymbol"/>
-              <a:buChar char=""/>
-            </a:pPr>
+            <a:r>
+              <a:rPr b="1" lang="pl-PL" sz="3600"/>
+              <a:t>aplikacji w Ruby</a:t>
+            </a:r>
+            <a:endParaRPr/>
+          </a:p>
+        </p:txBody>
+      </p:sp>
+      <p:sp>
+        <p:nvSpPr>
+          <p:cNvPr id="114" name="CustomShape 4"/>
+          <p:cNvSpPr/>
+          <p:nvPr/>
+        </p:nvSpPr>
+        <p:spPr>
+          <a:xfrm>
+            <a:off x="1518480" y="2670480"/>
+            <a:ext cx="4924080" cy="1511640"/>
+          </a:xfrm>
+          <a:prstGeom prst="rect">
+            <a:avLst/>
+          </a:prstGeom>
+          <a:noFill/>
+          <a:ln>
+            <a:noFill/>
+          </a:ln>
+        </p:spPr>
+      </p:sp>
+      <p:sp>
+        <p:nvSpPr>
+          <p:cNvPr id="115" name="CustomShape 5"/>
+          <p:cNvSpPr/>
+          <p:nvPr/>
+        </p:nvSpPr>
+        <p:spPr>
+          <a:xfrm>
+            <a:off x="2880360" y="3816000"/>
+            <a:ext cx="3023640" cy="432000"/>
+          </a:xfrm>
+          <a:prstGeom prst="rect">
+            <a:avLst/>
+          </a:prstGeom>
+          <a:noFill/>
+          <a:ln>
+            <a:noFill/>
+          </a:ln>
+        </p:spPr>
+        <p:txBody>
+          <a:bodyPr bIns="45000" lIns="90000" rIns="90000" tIns="45000" wrap="none"/>
+          <a:p>
             <a:r>
               <a:rPr lang="pl-PL"/>
-              <a:t>Podstawowe elementy języka: pętle, funkcje.</a:t>
+              <a:t>7 wykładów po 2 godz. + 1 wykład 1godz.</a:t>
             </a:r>
             <a:endParaRPr/>
           </a:p>
-          <a:p>
-            <a:pPr algn="just">
-              <a:buSzPct val="25000"/>
-              <a:buFont typeface="StarSymbol"/>
-              <a:buChar char=""/>
-            </a:pPr>
-            <a:r>
-              <a:rPr lang="pl-PL"/>
-              <a:t>Przegląd metod klas </a:t>
-            </a:r>
-            <a:r>
-              <a:rPr i="1" lang="pl-PL"/>
-              <a:t>Array</a:t>
-            </a:r>
-            <a:r>
-              <a:rPr lang="pl-PL"/>
-              <a:t> i </a:t>
-            </a:r>
-            <a:r>
-              <a:rPr i="1" lang="pl-PL"/>
-              <a:t>Hash</a:t>
-            </a:r>
-            <a:r>
-              <a:rPr lang="pl-PL"/>
-              <a:t>.</a:t>
-            </a:r>
-            <a:endParaRPr/>
-          </a:p>
-          <a:p>
-            <a:pPr>
-              <a:buSzPct val="25000"/>
-              <a:buFont typeface="StarSymbol"/>
-              <a:buChar char=""/>
-            </a:pPr>
-            <a:r>
-              <a:rPr lang="pl-PL"/>
-              <a:t>Piszemy proste skrypty.</a:t>
-            </a:r>
-            <a:endParaRPr/>
-          </a:p>
-        </p:txBody>
-      </p:sp>
-      <p:sp>
-        <p:nvSpPr>
-          <p:cNvPr id="85" name="TextShape 5"/>
-          <p:cNvSpPr txBox="1"/>
+        </p:txBody>
+      </p:sp>
+      <p:sp>
+        <p:nvSpPr>
+          <p:cNvPr id="116" name="CustomShape 6"/>
+          <p:cNvSpPr/>
           <p:nvPr/>
         </p:nvSpPr>
         <p:spPr>
           <a:xfrm>
-            <a:off x="3335400" y="2187360"/>
-            <a:ext cx="2640600" cy="346320"/>
-          </a:xfrm>
-          <a:prstGeom prst="rect">
-            <a:avLst/>
-          </a:prstGeom>
-        </p:spPr>
-        <p:txBody>
-          <a:bodyPr bIns="45000" lIns="90000" rIns="90000" tIns="45000" wrap="none"/>
-          <a:p>
-            <a:r>
-              <a:rPr lang="pl-PL"/>
-              <a:t>(5 wykładów po 3 godz.)</a:t>
-            </a:r>
-            <a:endParaRPr/>
-          </a:p>
-        </p:txBody>
-      </p:sp>
-      <p:sp>
-        <p:nvSpPr>
-          <p:cNvPr id="86" name="TextShape 6"/>
-          <p:cNvSpPr txBox="1"/>
-          <p:nvPr/>
-        </p:nvSpPr>
-        <p:spPr>
-          <a:xfrm>
             <a:off x="1446480" y="4268160"/>
-            <a:ext cx="6884280" cy="1882080"/>
-          </a:xfrm>
-          <a:prstGeom prst="rect">
-            <a:avLst/>
-          </a:prstGeom>
-        </p:spPr>
-        <p:txBody>
-          <a:bodyPr bIns="45000" lIns="90000" rIns="90000" tIns="45000" wrap="none"/>
-          <a:p>
-            <a:r>
-              <a:rPr b="1" lang="pl-PL"/>
-              <a:t>Wykład 2. </a:t>
-            </a:r>
-            <a:r>
-              <a:rPr lang="pl-PL"/>
-              <a:t>Ogólnie o testowaniu, dostępne narzędzia </a:t>
-            </a:r>
-            <a:endParaRPr/>
-          </a:p>
-          <a:p>
-            <a:r>
-              <a:rPr lang="pl-PL"/>
-              <a:t>                  </a:t>
-            </a:r>
-            <a:r>
-              <a:rPr lang="pl-PL"/>
-              <a:t>i technologie.</a:t>
-            </a:r>
-            <a:endParaRPr/>
-          </a:p>
-          <a:p>
-            <a:endParaRPr/>
-          </a:p>
-          <a:p>
-            <a:pPr>
-              <a:buSzPct val="25000"/>
-              <a:buFont typeface="StarSymbol"/>
-              <a:buChar char=""/>
-            </a:pPr>
-            <a:r>
-              <a:rPr lang="pl-PL"/>
-              <a:t>Instalacja potrzebnych narzędzi: Ruby Version Manager (RVM), </a:t>
-            </a:r>
-            <a:endParaRPr/>
-          </a:p>
-          <a:p>
-            <a:pPr>
-              <a:buSzPct val="25000"/>
-              <a:buFont typeface="StarSymbol"/>
-              <a:buChar char=""/>
-            </a:pPr>
-            <a:r>
-              <a:rPr lang="pl-PL"/>
-              <a:t>edytor (Atom/Emacs/Vim).</a:t>
-            </a:r>
-            <a:endParaRPr/>
-          </a:p>
-          <a:p>
-            <a:pPr>
-              <a:buSzPct val="25000"/>
-              <a:buFont typeface="StarSymbol"/>
-              <a:buChar char=""/>
-            </a:pPr>
-            <a:r>
-              <a:rPr lang="pl-PL"/>
-              <a:t>Wprowadzenie do </a:t>
-            </a:r>
-            <a:r>
-              <a:rPr i="1" lang="pl-PL"/>
-              <a:t>RSpec</a:t>
-            </a:r>
-            <a:r>
-              <a:rPr lang="pl-PL"/>
-              <a:t> – korzystamy z gemów </a:t>
-            </a:r>
-            <a:endParaRPr/>
-          </a:p>
-          <a:p>
-            <a:pPr>
-              <a:buSzPct val="25000"/>
-              <a:buFont typeface="StarSymbol"/>
-              <a:buChar char=""/>
-            </a:pPr>
-            <a:r>
-              <a:rPr i="1" lang="pl-PL"/>
-              <a:t>Capybara</a:t>
-            </a:r>
-            <a:r>
-              <a:rPr lang="pl-PL"/>
-              <a:t> i </a:t>
-            </a:r>
-            <a:r>
-              <a:rPr i="1" lang="pl-PL"/>
-              <a:t>Factory Girl</a:t>
-            </a:r>
-            <a:r>
-              <a:rPr lang="pl-PL"/>
-              <a:t>.</a:t>
-            </a:r>
-            <a:endParaRPr/>
-          </a:p>
-        </p:txBody>
+            <a:ext cx="6883920" cy="1881720"/>
+          </a:xfrm>
+          <a:prstGeom prst="rect">
+            <a:avLst/>
+          </a:prstGeom>
+          <a:noFill/>
+          <a:ln>
+            <a:noFill/>
+          </a:ln>
+        </p:spPr>
       </p:sp>
     </p:spTree>
   </p:cSld>
@@ -3519,7 +4394,7 @@
       </p:grpSpPr>
       <p:pic>
         <p:nvPicPr>
-          <p:cNvPr descr="" id="87" name="Obraz 4"/>
+          <p:cNvPr descr="" id="117" name="Obraz 3"/>
           <p:cNvPicPr/>
           <p:nvPr/>
         </p:nvPicPr>
@@ -3531,8 +4406,8 @@
         </p:blipFill>
         <p:spPr>
           <a:xfrm>
-            <a:off x="7596360" y="236520"/>
-            <a:ext cx="1223640" cy="451080"/>
+            <a:off x="7189920" y="367200"/>
+            <a:ext cx="1577880" cy="581760"/>
           </a:xfrm>
           <a:prstGeom prst="rect">
             <a:avLst/>
@@ -3544,7 +4419,7 @@
       </p:pic>
       <p:pic>
         <p:nvPicPr>
-          <p:cNvPr descr="" id="88" name="Obraz 5"/>
+          <p:cNvPr descr="" id="118" name="Obraz 4"/>
           <p:cNvPicPr/>
           <p:nvPr/>
         </p:nvPicPr>
@@ -3556,8 +4431,8 @@
         </p:blipFill>
         <p:spPr>
           <a:xfrm>
-            <a:off x="395280" y="74520"/>
-            <a:ext cx="1593360" cy="774720"/>
+            <a:off x="323640" y="118800"/>
+            <a:ext cx="2218320" cy="1078200"/>
           </a:xfrm>
           <a:prstGeom prst="rect">
             <a:avLst/>
@@ -3569,7 +4444,7 @@
       </p:pic>
       <p:pic>
         <p:nvPicPr>
-          <p:cNvPr descr="" id="89" name="Obraz 6"/>
+          <p:cNvPr descr="" id="119" name="Obraz 5"/>
           <p:cNvPicPr/>
           <p:nvPr/>
         </p:nvPicPr>
@@ -3581,8 +4456,8 @@
         </p:blipFill>
         <p:spPr>
           <a:xfrm>
-            <a:off x="4356000" y="285480"/>
-            <a:ext cx="489960" cy="352800"/>
+            <a:off x="4219200" y="423000"/>
+            <a:ext cx="653040" cy="470160"/>
           </a:xfrm>
           <a:prstGeom prst="rect">
             <a:avLst/>
@@ -3594,227 +4469,100 @@
       </p:pic>
       <p:sp>
         <p:nvSpPr>
-          <p:cNvPr id="90" name="TextShape 1"/>
-          <p:cNvSpPr txBox="1"/>
+          <p:cNvPr id="120" name="CustomShape 1"/>
+          <p:cNvSpPr/>
           <p:nvPr/>
         </p:nvSpPr>
         <p:spPr>
           <a:xfrm>
-            <a:off x="1226880" y="877680"/>
-            <a:ext cx="6234120" cy="2649960"/>
-          </a:xfrm>
-          <a:prstGeom prst="rect">
-            <a:avLst/>
-          </a:prstGeom>
-        </p:spPr>
-        <p:txBody>
-          <a:bodyPr bIns="45000" lIns="90000" rIns="90000" tIns="45000" wrap="none"/>
+            <a:off x="323640" y="1198080"/>
+            <a:ext cx="8444520" cy="424800"/>
+          </a:xfrm>
+          <a:prstGeom prst="rect">
+            <a:avLst/>
+          </a:prstGeom>
+          <a:noFill/>
+          <a:ln>
+            <a:noFill/>
+          </a:ln>
+        </p:spPr>
+        <p:txBody>
+          <a:bodyPr bIns="45000" lIns="90000" rIns="90000" tIns="45000"/>
           <a:p>
             <a:r>
-              <a:rPr b="1" lang="pl-PL"/>
-              <a:t>Wykład 3. </a:t>
+              <a:rPr b="1" lang="pl-PL" sz="1100">
+                <a:solidFill>
+                  <a:srgbClr val="000000"/>
+                </a:solidFill>
+                <a:latin typeface="Calibri"/>
+              </a:rPr>
+              <a:t>Projekt </a:t>
             </a:r>
             <a:r>
-              <a:rPr lang="pl-PL"/>
-              <a:t>Testy jednostkowe, integracyjne.</a:t>
+              <a:rPr b="1" i="1" lang="pl-PL" sz="1100">
+                <a:solidFill>
+                  <a:srgbClr val="000000"/>
+                </a:solidFill>
+                <a:latin typeface="Calibri"/>
+              </a:rPr>
+              <a:t>Program rozwoju Uniwersytetu Gdańskiego w obszarach Europa 2020 (UG2020) </a:t>
             </a:r>
             <a:endParaRPr/>
           </a:p>
           <a:p>
-            <a:endParaRPr/>
-          </a:p>
-          <a:p>
-            <a:pPr>
-              <a:buSzPct val="25000"/>
-              <a:buFont typeface="StarSymbol"/>
-              <a:buChar char=""/>
+            <a:pPr algn="ctr">
+              <a:lnSpc>
+                <a:spcPct val="100000"/>
+              </a:lnSpc>
             </a:pPr>
             <a:r>
-              <a:rPr lang="pl-PL"/>
-              <a:t>Różnice między testami.</a:t>
+              <a:rPr b="1" lang="pl-PL" sz="1100">
+                <a:solidFill>
+                  <a:srgbClr val="000000"/>
+                </a:solidFill>
+                <a:latin typeface="Calibri"/>
+              </a:rPr>
+              <a:t>jest współfinansowany przez Unię Europejską w ramach Europejskiego Funduszu Społecznego</a:t>
             </a:r>
             <a:endParaRPr/>
           </a:p>
-          <a:p>
-            <a:pPr>
-              <a:buSzPct val="25000"/>
-              <a:buFont typeface="StarSymbol"/>
-              <a:buChar char=""/>
+        </p:txBody>
+      </p:sp>
+      <p:sp>
+        <p:nvSpPr>
+          <p:cNvPr id="121" name="CustomShape 2"/>
+          <p:cNvSpPr/>
+          <p:nvPr/>
+        </p:nvSpPr>
+        <p:spPr>
+          <a:xfrm>
+            <a:off x="0" y="6520320"/>
+            <a:ext cx="9143280" cy="364320"/>
+          </a:xfrm>
+          <a:prstGeom prst="rect">
+            <a:avLst/>
+          </a:prstGeom>
+          <a:noFill/>
+          <a:ln>
+            <a:noFill/>
+          </a:ln>
+        </p:spPr>
+        <p:txBody>
+          <a:bodyPr anchor="ctr" bIns="45000" lIns="90000" rIns="90000" tIns="45000"/>
+          <a:p>
+            <a:pPr algn="ctr">
+              <a:lnSpc>
+                <a:spcPct val="100000"/>
+              </a:lnSpc>
             </a:pPr>
             <a:r>
-              <a:rPr lang="pl-PL"/>
-              <a:t>Znaczenie testów.</a:t>
-            </a:r>
-            <a:endParaRPr/>
-          </a:p>
-          <a:p>
-            <a:pPr>
-              <a:buSzPct val="25000"/>
-              <a:buFont typeface="StarSymbol"/>
-              <a:buChar char=""/>
-            </a:pPr>
-            <a:r>
-              <a:rPr lang="pl-PL"/>
-              <a:t>Refaktoryzacja kodu.</a:t>
-            </a:r>
-            <a:endParaRPr/>
-          </a:p>
-          <a:p>
-            <a:r>
-              <a:rPr lang="pl-PL"/>
-              <a:t>	</a:t>
-            </a:r>
-            <a:r>
-              <a:rPr lang="pl-PL"/>
-              <a:t>Na czym polega refaktoryzacja kodu?</a:t>
-            </a:r>
-            <a:endParaRPr/>
-          </a:p>
-          <a:p>
-            <a:r>
-              <a:rPr lang="pl-PL"/>
-              <a:t> </a:t>
-            </a:r>
-            <a:r>
-              <a:rPr lang="pl-PL"/>
-              <a:t>	</a:t>
-            </a:r>
-            <a:r>
-              <a:rPr lang="pl-PL"/>
-              <a:t>Co to jest bad smells in code </a:t>
-            </a:r>
-            <a:endParaRPr/>
-          </a:p>
-          <a:p>
-            <a:r>
-              <a:rPr lang="pl-PL"/>
-              <a:t>       </a:t>
-            </a:r>
-            <a:r>
-              <a:rPr lang="pl-PL"/>
-              <a:t>(w literaturze spotyka się też określenie smoked code)?</a:t>
-            </a:r>
-            <a:endParaRPr/>
-          </a:p>
-          <a:p>
-            <a:r>
-              <a:rPr lang="pl-PL"/>
-              <a:t>	</a:t>
-            </a:r>
-            <a:r>
-              <a:rPr lang="pl-PL"/>
-              <a:t>Co to jest samotestujący się kod?</a:t>
-            </a:r>
-            <a:endParaRPr/>
-          </a:p>
-          <a:p>
-            <a:pPr>
-              <a:buSzPct val="25000"/>
-              <a:buFont typeface="StarSymbol"/>
-              <a:buChar char=""/>
-            </a:pPr>
-            <a:r>
-              <a:rPr lang="pl-PL"/>
-              <a:t>Pokrycie kodu testami.</a:t>
-            </a:r>
-            <a:endParaRPr/>
-          </a:p>
-        </p:txBody>
-      </p:sp>
-      <p:sp>
-        <p:nvSpPr>
-          <p:cNvPr id="91" name="TextShape 2"/>
-          <p:cNvSpPr txBox="1"/>
-          <p:nvPr/>
-        </p:nvSpPr>
-        <p:spPr>
-          <a:xfrm>
-            <a:off x="1296000" y="3744000"/>
-            <a:ext cx="5834520" cy="1882080"/>
-          </a:xfrm>
-          <a:prstGeom prst="rect">
-            <a:avLst/>
-          </a:prstGeom>
-        </p:spPr>
-        <p:txBody>
-          <a:bodyPr bIns="45000" lIns="90000" rIns="90000" tIns="45000" wrap="none"/>
-          <a:p>
-            <a:r>
-              <a:rPr b="1" lang="pl-PL"/>
-              <a:t>Wykład 4. </a:t>
-            </a:r>
-            <a:r>
-              <a:rPr lang="pl-PL"/>
-              <a:t>Praca z </a:t>
-            </a:r>
-            <a:r>
-              <a:rPr i="1" lang="pl-PL"/>
-              <a:t>Legacy Code</a:t>
-            </a:r>
-            <a:r>
-              <a:rPr lang="pl-PL"/>
-              <a:t>, czyli z już istniejącym </a:t>
-            </a:r>
-            <a:endParaRPr/>
-          </a:p>
-          <a:p>
-            <a:r>
-              <a:rPr lang="pl-PL"/>
-              <a:t>                 </a:t>
-            </a:r>
-            <a:r>
-              <a:rPr lang="pl-PL"/>
-              <a:t>kodem lub kodem nie pokrytym </a:t>
-            </a:r>
-            <a:endParaRPr/>
-          </a:p>
-          <a:p>
-            <a:r>
-              <a:rPr lang="pl-PL"/>
-              <a:t>                 </a:t>
-            </a:r>
-            <a:r>
-              <a:rPr lang="pl-PL"/>
-              <a:t>testami (Michael Feathers).</a:t>
-            </a:r>
-            <a:endParaRPr/>
-          </a:p>
-          <a:p>
-            <a:endParaRPr/>
-          </a:p>
-          <a:p>
-            <a:pPr>
-              <a:buSzPct val="25000"/>
-              <a:buFont typeface="StarSymbol"/>
-              <a:buChar char=""/>
-            </a:pPr>
-            <a:r>
-              <a:rPr lang="pl-PL"/>
-              <a:t>Praca z „zastanym kodem”.</a:t>
-            </a:r>
-            <a:endParaRPr/>
-          </a:p>
-          <a:p>
-            <a:pPr>
-              <a:buSzPct val="25000"/>
-              <a:buFont typeface="StarSymbol"/>
-              <a:buChar char=""/>
-            </a:pPr>
-            <a:r>
-              <a:rPr lang="pl-PL"/>
-              <a:t>Pokrycie testami.</a:t>
-            </a:r>
-            <a:endParaRPr/>
-          </a:p>
-          <a:p>
-            <a:pPr>
-              <a:buSzPct val="25000"/>
-              <a:buFont typeface="StarSymbol"/>
-              <a:buChar char=""/>
-            </a:pPr>
-            <a:r>
-              <a:rPr lang="pl-PL"/>
-              <a:t>Refaktoryzacja Legacy Code.</a:t>
+              <a:rPr b="1" lang="pl-PL" sz="1200">
+                <a:solidFill>
+                  <a:srgbClr val="ffffff"/>
+                </a:solidFill>
+                <a:latin typeface="Calibri"/>
+              </a:rPr>
+              <a:t>Człowiek – najlepsza inwestycja</a:t>
             </a:r>
             <a:endParaRPr/>
           </a:p>
@@ -3871,7 +4619,7 @@
       </p:grpSpPr>
       <p:pic>
         <p:nvPicPr>
-          <p:cNvPr descr="" id="92" name="Obraz 3"/>
+          <p:cNvPr descr="" id="122" name="Obraz 4"/>
           <p:cNvPicPr/>
           <p:nvPr/>
         </p:nvPicPr>
@@ -3883,8 +4631,8 @@
         </p:blipFill>
         <p:spPr>
           <a:xfrm>
-            <a:off x="7189920" y="367200"/>
-            <a:ext cx="1578240" cy="582120"/>
+            <a:off x="7596360" y="236520"/>
+            <a:ext cx="1223280" cy="450720"/>
           </a:xfrm>
           <a:prstGeom prst="rect">
             <a:avLst/>
@@ -3896,7 +4644,7 @@
       </p:pic>
       <p:pic>
         <p:nvPicPr>
-          <p:cNvPr descr="" id="93" name="Obraz 4"/>
+          <p:cNvPr descr="" id="123" name="Obraz 5"/>
           <p:cNvPicPr/>
           <p:nvPr/>
         </p:nvPicPr>
@@ -3908,8 +4656,8 @@
         </p:blipFill>
         <p:spPr>
           <a:xfrm>
-            <a:off x="323640" y="118800"/>
-            <a:ext cx="2218680" cy="1078560"/>
+            <a:off x="395280" y="74520"/>
+            <a:ext cx="1593000" cy="774360"/>
           </a:xfrm>
           <a:prstGeom prst="rect">
             <a:avLst/>
@@ -3921,7 +4669,7 @@
       </p:pic>
       <p:pic>
         <p:nvPicPr>
-          <p:cNvPr descr="" id="94" name="Obraz 5"/>
+          <p:cNvPr descr="" id="124" name="Obraz 6"/>
           <p:cNvPicPr/>
           <p:nvPr/>
         </p:nvPicPr>
@@ -3933,8 +4681,8 @@
         </p:blipFill>
         <p:spPr>
           <a:xfrm>
-            <a:off x="4219200" y="423000"/>
-            <a:ext cx="653400" cy="470520"/>
+            <a:off x="4356000" y="285480"/>
+            <a:ext cx="489600" cy="352440"/>
           </a:xfrm>
           <a:prstGeom prst="rect">
             <a:avLst/>
@@ -3946,14 +4694,14 @@
       </p:pic>
       <p:sp>
         <p:nvSpPr>
-          <p:cNvPr id="95" name="CustomShape 1"/>
+          <p:cNvPr id="125" name="CustomShape 1"/>
           <p:cNvSpPr/>
           <p:nvPr/>
         </p:nvSpPr>
         <p:spPr>
           <a:xfrm>
-            <a:off x="323640" y="1198080"/>
-            <a:ext cx="8444880" cy="425160"/>
+            <a:off x="1226880" y="877680"/>
+            <a:ext cx="6233760" cy="2649600"/>
           </a:xfrm>
           <a:prstGeom prst="rect">
             <a:avLst/>
@@ -3964,190 +4712,34 @@
           </a:ln>
         </p:spPr>
         <p:txBody>
-          <a:bodyPr bIns="45000" lIns="90000" rIns="90000" tIns="45000"/>
-          <a:p>
-            <a:pPr algn="ctr">
-              <a:lnSpc>
-                <a:spcPct val="100000"/>
-              </a:lnSpc>
-            </a:pPr>
-            <a:r>
-              <a:rPr b="1" lang="pl-PL" sz="1100">
-                <a:solidFill>
-                  <a:srgbClr val="000000"/>
-                </a:solidFill>
-                <a:latin typeface="Calibri"/>
-              </a:rPr>
-              <a:t>Projekt </a:t>
-            </a:r>
-            <a:r>
-              <a:rPr b="1" i="1" lang="pl-PL" sz="1100">
-                <a:solidFill>
-                  <a:srgbClr val="000000"/>
-                </a:solidFill>
-                <a:latin typeface="Calibri"/>
-              </a:rPr>
-              <a:t>Program rozwoju Uniwersytetu Gdańskiego w obszarach Europa 2020 (UG2020) </a:t>
-            </a:r>
-            <a:r>
-              <a:rPr b="1" i="1" lang="pl-PL" sz="1100">
-                <a:solidFill>
-                  <a:srgbClr val="000000"/>
-                </a:solidFill>
-                <a:latin typeface="Calibri"/>
-              </a:rPr>
-              <a:t>
-</a:t>
-            </a:r>
-            <a:r>
-              <a:rPr b="1" lang="pl-PL" sz="1100">
-                <a:solidFill>
-                  <a:srgbClr val="000000"/>
-                </a:solidFill>
-                <a:latin typeface="Calibri"/>
-              </a:rPr>
-              <a:t>jest współfinansowany przez Unię Europejską w ramach Europejskiego Funduszu Społecznego</a:t>
-            </a:r>
-            <a:endParaRPr/>
-          </a:p>
-        </p:txBody>
-      </p:sp>
-      <p:sp>
-        <p:nvSpPr>
-          <p:cNvPr id="96" name="TextShape 2"/>
-          <p:cNvSpPr txBox="1"/>
+          <a:bodyPr bIns="45000" lIns="90000" rIns="90000" tIns="45000" wrap="none"/>
+          <a:p>
+            <a:endParaRPr/>
+          </a:p>
+          <a:p>
+            <a:endParaRPr/>
+          </a:p>
+        </p:txBody>
+      </p:sp>
+      <p:sp>
+        <p:nvSpPr>
+          <p:cNvPr id="126" name="CustomShape 2"/>
+          <p:cNvSpPr/>
           <p:nvPr/>
         </p:nvSpPr>
         <p:spPr>
           <a:xfrm>
-            <a:off x="0" y="6520320"/>
-            <a:ext cx="9143640" cy="364680"/>
-          </a:xfrm>
-          <a:prstGeom prst="rect">
-            <a:avLst/>
-          </a:prstGeom>
-        </p:spPr>
-        <p:txBody>
-          <a:bodyPr anchor="ctr"/>
-          <a:p>
-            <a:pPr algn="ctr">
-              <a:lnSpc>
-                <a:spcPct val="100000"/>
-              </a:lnSpc>
-            </a:pPr>
-            <a:r>
-              <a:rPr b="1" lang="pl-PL" sz="1200">
-                <a:solidFill>
-                  <a:srgbClr val="ffffff"/>
-                </a:solidFill>
-                <a:latin typeface="Calibri"/>
-              </a:rPr>
-              <a:t>Człowiek – najlepsza inwestycja</a:t>
-            </a:r>
-            <a:endParaRPr/>
-          </a:p>
-        </p:txBody>
-      </p:sp>
-      <p:sp>
-        <p:nvSpPr>
-          <p:cNvPr id="97" name="TextShape 3"/>
-          <p:cNvSpPr txBox="1"/>
-          <p:nvPr/>
-        </p:nvSpPr>
-        <p:spPr>
-          <a:xfrm>
-            <a:off x="2297880" y="2117880"/>
-            <a:ext cx="4542120" cy="1626120"/>
-          </a:xfrm>
-          <a:prstGeom prst="rect">
-            <a:avLst/>
-          </a:prstGeom>
-        </p:spPr>
-        <p:txBody>
-          <a:bodyPr bIns="45000" lIns="90000" rIns="90000" tIns="45000" wrap="none"/>
-          <a:p>
-            <a:r>
-              <a:rPr b="1" lang="pl-PL"/>
-              <a:t>Wykład 5.</a:t>
-            </a:r>
-            <a:r>
-              <a:rPr lang="pl-PL"/>
-              <a:t> Obiekty </a:t>
-            </a:r>
-            <a:r>
-              <a:rPr i="1" lang="pl-PL"/>
-              <a:t>doubles</a:t>
-            </a:r>
-            <a:r>
-              <a:rPr lang="pl-PL"/>
-              <a:t> (</a:t>
-            </a:r>
-            <a:r>
-              <a:rPr i="1" lang="pl-PL"/>
-              <a:t>mocks, stubs</a:t>
-            </a:r>
-            <a:r>
-              <a:rPr lang="pl-PL"/>
-              <a:t>).</a:t>
-            </a:r>
-            <a:endParaRPr/>
-          </a:p>
-          <a:p>
-            <a:endParaRPr/>
-          </a:p>
-          <a:p>
-            <a:pPr>
-              <a:buSzPct val="25000"/>
-              <a:buFont typeface="StarSymbol"/>
-              <a:buChar char=""/>
-            </a:pPr>
-            <a:r>
-              <a:rPr i="1" lang="pl-PL"/>
-              <a:t>Fake Objects</a:t>
-            </a:r>
-            <a:r>
-              <a:rPr lang="pl-PL"/>
-              <a:t>.</a:t>
-            </a:r>
-            <a:endParaRPr/>
-          </a:p>
-          <a:p>
-            <a:pPr>
-              <a:buSzPct val="25000"/>
-              <a:buFont typeface="StarSymbol"/>
-              <a:buChar char=""/>
-            </a:pPr>
-            <a:r>
-              <a:rPr lang="pl-PL"/>
-              <a:t>Do czego używamy doubles?</a:t>
-            </a:r>
-            <a:endParaRPr/>
-          </a:p>
-          <a:p>
-            <a:pPr>
-              <a:buSzPct val="25000"/>
-              <a:buFont typeface="StarSymbol"/>
-              <a:buChar char=""/>
-            </a:pPr>
-            <a:r>
-              <a:rPr lang="pl-PL"/>
-              <a:t>Główne zasady stosowania doubles.</a:t>
-            </a:r>
-            <a:endParaRPr/>
-          </a:p>
-          <a:p>
-            <a:pPr>
-              <a:buSzPct val="25000"/>
-              <a:buFont typeface="StarSymbol"/>
-              <a:buChar char=""/>
-            </a:pPr>
-            <a:r>
-              <a:rPr lang="pl-PL"/>
-              <a:t>Problemy, nadużycia, ograniczenia.</a:t>
-            </a:r>
-            <a:endParaRPr/>
-          </a:p>
-        </p:txBody>
+            <a:off x="1296000" y="3744000"/>
+            <a:ext cx="5834160" cy="1881720"/>
+          </a:xfrm>
+          <a:prstGeom prst="rect">
+            <a:avLst/>
+          </a:prstGeom>
+          <a:noFill/>
+          <a:ln>
+            <a:noFill/>
+          </a:ln>
+        </p:spPr>
       </p:sp>
     </p:spTree>
   </p:cSld>
@@ -4200,7 +4792,7 @@
       </p:grpSpPr>
       <p:pic>
         <p:nvPicPr>
-          <p:cNvPr descr="" id="98" name="Obraz 3"/>
+          <p:cNvPr descr="" id="127" name="Obraz 3"/>
           <p:cNvPicPr/>
           <p:nvPr/>
         </p:nvPicPr>
@@ -4212,8 +4804,8 @@
         </p:blipFill>
         <p:spPr>
           <a:xfrm>
-            <a:off x="7190280" y="367560"/>
-            <a:ext cx="1578240" cy="582120"/>
+            <a:off x="7189920" y="367200"/>
+            <a:ext cx="1577880" cy="581760"/>
           </a:xfrm>
           <a:prstGeom prst="rect">
             <a:avLst/>
@@ -4225,7 +4817,7 @@
       </p:pic>
       <p:pic>
         <p:nvPicPr>
-          <p:cNvPr descr="" id="99" name="Obraz 4"/>
+          <p:cNvPr descr="" id="128" name="Obraz 4"/>
           <p:cNvPicPr/>
           <p:nvPr/>
         </p:nvPicPr>
@@ -4237,8 +4829,8 @@
         </p:blipFill>
         <p:spPr>
           <a:xfrm>
-            <a:off x="324000" y="119160"/>
-            <a:ext cx="2218680" cy="1078560"/>
+            <a:off x="323640" y="118800"/>
+            <a:ext cx="2218320" cy="1078200"/>
           </a:xfrm>
           <a:prstGeom prst="rect">
             <a:avLst/>
@@ -4250,7 +4842,7 @@
       </p:pic>
       <p:pic>
         <p:nvPicPr>
-          <p:cNvPr descr="" id="100" name="Obraz 5"/>
+          <p:cNvPr descr="" id="129" name="Obraz 5"/>
           <p:cNvPicPr/>
           <p:nvPr/>
         </p:nvPicPr>
@@ -4262,8 +4854,8 @@
         </p:blipFill>
         <p:spPr>
           <a:xfrm>
-            <a:off x="4219560" y="423360"/>
-            <a:ext cx="653400" cy="470520"/>
+            <a:off x="4219200" y="423000"/>
+            <a:ext cx="653040" cy="470160"/>
           </a:xfrm>
           <a:prstGeom prst="rect">
             <a:avLst/>
@@ -4275,14 +4867,14 @@
       </p:pic>
       <p:sp>
         <p:nvSpPr>
-          <p:cNvPr id="101" name="CustomShape 1"/>
+          <p:cNvPr id="130" name="CustomShape 1"/>
           <p:cNvSpPr/>
           <p:nvPr/>
         </p:nvSpPr>
         <p:spPr>
           <a:xfrm>
-            <a:off x="324000" y="1198440"/>
-            <a:ext cx="8444880" cy="425160"/>
+            <a:off x="323640" y="1198080"/>
+            <a:ext cx="8444520" cy="424800"/>
           </a:xfrm>
           <a:prstGeom prst="rect">
             <a:avLst/>
@@ -4295,11 +4887,6 @@
         <p:txBody>
           <a:bodyPr bIns="45000" lIns="90000" rIns="90000" tIns="45000"/>
           <a:p>
-            <a:pPr algn="ctr">
-              <a:lnSpc>
-                <a:spcPct val="100000"/>
-              </a:lnSpc>
-            </a:pPr>
             <a:r>
               <a:rPr b="1" lang="pl-PL" sz="1100">
                 <a:solidFill>
@@ -4318,16 +4905,14 @@
               </a:rPr>
               <a:t>Program rozwoju Uniwersytetu Gdańskiego w obszarach Europa 2020 (UG2020) </a:t>
             </a:r>
-            <a:r>
-              <a:rPr b="1" i="1" lang="pl-PL" sz="1100">
-                <a:solidFill>
-                  <a:srgbClr val="000000"/>
-                </a:solidFill>
-                <a:latin typeface="Calibri"/>
-              </a:rPr>
-              <a:t>
-</a:t>
-            </a:r>
+            <a:endParaRPr/>
+          </a:p>
+          <a:p>
+            <a:pPr algn="ctr">
+              <a:lnSpc>
+                <a:spcPct val="100000"/>
+              </a:lnSpc>
+            </a:pPr>
             <a:r>
               <a:rPr b="1" lang="pl-PL" sz="1100">
                 <a:solidFill>
@@ -4343,21 +4928,25 @@
       </p:sp>
       <p:sp>
         <p:nvSpPr>
-          <p:cNvPr id="102" name="TextShape 2"/>
-          <p:cNvSpPr txBox="1"/>
+          <p:cNvPr id="131" name="CustomShape 2"/>
+          <p:cNvSpPr/>
           <p:nvPr/>
         </p:nvSpPr>
         <p:spPr>
           <a:xfrm>
-            <a:off x="360" y="6520680"/>
-            <a:ext cx="9143640" cy="364680"/>
-          </a:xfrm>
-          <a:prstGeom prst="rect">
-            <a:avLst/>
-          </a:prstGeom>
-        </p:spPr>
-        <p:txBody>
-          <a:bodyPr anchor="ctr"/>
+            <a:off x="0" y="6520320"/>
+            <a:ext cx="9143280" cy="364320"/>
+          </a:xfrm>
+          <a:prstGeom prst="rect">
+            <a:avLst/>
+          </a:prstGeom>
+          <a:noFill/>
+          <a:ln>
+            <a:noFill/>
+          </a:ln>
+        </p:spPr>
+        <p:txBody>
+          <a:bodyPr anchor="ctr" bIns="45000" lIns="90000" rIns="90000" tIns="45000"/>
           <a:p>
             <a:pPr algn="ctr">
               <a:lnSpc>
@@ -4379,6 +4968,33 @@
       </p:sp>
     </p:spTree>
   </p:cSld>
+  <p:timing>
+    <p:tnLst>
+      <p:par>
+        <p:cTn dur="indefinite" id="7" nodeType="tmRoot" restart="never">
+          <p:childTnLst>
+            <p:seq>
+              <p:cTn id="8" nodeType="mainSeq"/>
+              <p:prevCondLst>
+                <p:cond delay="0" evt="onPrev">
+                  <p:tgtEl>
+                    <p:sldTgt/>
+                  </p:tgtEl>
+                </p:cond>
+              </p:prevCondLst>
+              <p:nextCondLst>
+                <p:cond delay="0" evt="onNext">
+                  <p:tgtEl>
+                    <p:sldTgt/>
+                  </p:tgtEl>
+                </p:cond>
+              </p:nextCondLst>
+            </p:seq>
+          </p:childTnLst>
+        </p:cTn>
+      </p:par>
+    </p:tnLst>
+  </p:timing>
 </p:sld>
 </file>
 
@@ -4401,7 +5017,7 @@
       </p:grpSpPr>
       <p:pic>
         <p:nvPicPr>
-          <p:cNvPr descr="" id="103" name="Obraz 3"/>
+          <p:cNvPr descr="" id="132" name="Obraz 3"/>
           <p:cNvPicPr/>
           <p:nvPr/>
         </p:nvPicPr>
@@ -4413,8 +5029,8 @@
         </p:blipFill>
         <p:spPr>
           <a:xfrm>
-            <a:off x="7189920" y="367200"/>
-            <a:ext cx="1578240" cy="582120"/>
+            <a:off x="7190280" y="367560"/>
+            <a:ext cx="1577880" cy="581760"/>
           </a:xfrm>
           <a:prstGeom prst="rect">
             <a:avLst/>
@@ -4426,7 +5042,7 @@
       </p:pic>
       <p:pic>
         <p:nvPicPr>
-          <p:cNvPr descr="" id="104" name="Obraz 4"/>
+          <p:cNvPr descr="" id="133" name="Obraz 4"/>
           <p:cNvPicPr/>
           <p:nvPr/>
         </p:nvPicPr>
@@ -4438,8 +5054,8 @@
         </p:blipFill>
         <p:spPr>
           <a:xfrm>
-            <a:off x="323640" y="118800"/>
-            <a:ext cx="2218680" cy="1078560"/>
+            <a:off x="324000" y="119160"/>
+            <a:ext cx="2218320" cy="1078200"/>
           </a:xfrm>
           <a:prstGeom prst="rect">
             <a:avLst/>
@@ -4451,7 +5067,7 @@
       </p:pic>
       <p:pic>
         <p:nvPicPr>
-          <p:cNvPr descr="" id="105" name="Obraz 5"/>
+          <p:cNvPr descr="" id="134" name="Obraz 5"/>
           <p:cNvPicPr/>
           <p:nvPr/>
         </p:nvPicPr>
@@ -4463,8 +5079,8 @@
         </p:blipFill>
         <p:spPr>
           <a:xfrm>
-            <a:off x="4219200" y="423000"/>
-            <a:ext cx="653400" cy="470520"/>
+            <a:off x="4219560" y="423360"/>
+            <a:ext cx="653040" cy="470160"/>
           </a:xfrm>
           <a:prstGeom prst="rect">
             <a:avLst/>
@@ -4476,14 +5092,14 @@
       </p:pic>
       <p:sp>
         <p:nvSpPr>
-          <p:cNvPr id="106" name="CustomShape 1"/>
+          <p:cNvPr id="135" name="CustomShape 1"/>
           <p:cNvSpPr/>
           <p:nvPr/>
         </p:nvSpPr>
         <p:spPr>
           <a:xfrm>
-            <a:off x="323640" y="1198080"/>
-            <a:ext cx="8444880" cy="425160"/>
+            <a:off x="324000" y="1198440"/>
+            <a:ext cx="8444520" cy="424800"/>
           </a:xfrm>
           <a:prstGeom prst="rect">
             <a:avLst/>
@@ -4496,11 +5112,6 @@
         <p:txBody>
           <a:bodyPr bIns="45000" lIns="90000" rIns="90000" tIns="45000"/>
           <a:p>
-            <a:pPr algn="ctr">
-              <a:lnSpc>
-                <a:spcPct val="100000"/>
-              </a:lnSpc>
-            </a:pPr>
             <a:r>
               <a:rPr b="1" lang="pl-PL" sz="1100">
                 <a:solidFill>
@@ -4519,16 +5130,14 @@
               </a:rPr>
               <a:t>Program rozwoju Uniwersytetu Gdańskiego w obszarach Europa 2020 (UG2020) </a:t>
             </a:r>
-            <a:r>
-              <a:rPr b="1" i="1" lang="pl-PL" sz="1100">
-                <a:solidFill>
-                  <a:srgbClr val="000000"/>
-                </a:solidFill>
-                <a:latin typeface="Calibri"/>
-              </a:rPr>
-              <a:t>
-</a:t>
-            </a:r>
+            <a:endParaRPr/>
+          </a:p>
+          <a:p>
+            <a:pPr algn="ctr">
+              <a:lnSpc>
+                <a:spcPct val="100000"/>
+              </a:lnSpc>
+            </a:pPr>
             <a:r>
               <a:rPr b="1" lang="pl-PL" sz="1100">
                 <a:solidFill>
@@ -4544,21 +5153,25 @@
       </p:sp>
       <p:sp>
         <p:nvSpPr>
-          <p:cNvPr id="107" name="TextShape 2"/>
-          <p:cNvSpPr txBox="1"/>
+          <p:cNvPr id="136" name="CustomShape 2"/>
+          <p:cNvSpPr/>
           <p:nvPr/>
         </p:nvSpPr>
         <p:spPr>
           <a:xfrm>
-            <a:off x="0" y="6520320"/>
-            <a:ext cx="9143640" cy="364680"/>
-          </a:xfrm>
-          <a:prstGeom prst="rect">
-            <a:avLst/>
-          </a:prstGeom>
-        </p:spPr>
-        <p:txBody>
-          <a:bodyPr anchor="ctr"/>
+            <a:off x="360" y="6520680"/>
+            <a:ext cx="9143280" cy="364320"/>
+          </a:xfrm>
+          <a:prstGeom prst="rect">
+            <a:avLst/>
+          </a:prstGeom>
+          <a:noFill/>
+          <a:ln>
+            <a:noFill/>
+          </a:ln>
+        </p:spPr>
+        <p:txBody>
+          <a:bodyPr anchor="ctr" bIns="45000" lIns="90000" rIns="90000" tIns="45000"/>
           <a:p>
             <a:pPr algn="ctr">
               <a:lnSpc>
@@ -4573,6 +5186,303 @@
                 <a:latin typeface="Calibri"/>
               </a:rPr>
               <a:t>Człowiek – najlepsza inwestycja</a:t>
+            </a:r>
+            <a:endParaRPr/>
+          </a:p>
+        </p:txBody>
+      </p:sp>
+    </p:spTree>
+  </p:cSld>
+</p:sld>
+</file>
+
+<file path=ppt/slides/slide6.xml><?xml version="1.0" encoding="utf-8"?>
+<p:sld xmlns:a="http://schemas.openxmlformats.org/drawingml/2006/main" xmlns:p="http://schemas.openxmlformats.org/presentationml/2006/main" xmlns:r="http://schemas.openxmlformats.org/officeDocument/2006/relationships">
+  <p:cSld>
+    <p:spTree>
+      <p:nvGrpSpPr>
+        <p:cNvPr id="1" name=""/>
+        <p:cNvGrpSpPr/>
+        <p:nvPr/>
+      </p:nvGrpSpPr>
+      <p:grpSpPr>
+        <a:xfrm>
+          <a:off x="0" y="0"/>
+          <a:ext cx="0" cy="0"/>
+          <a:chOff x="0" y="0"/>
+          <a:chExt cx="0" cy="0"/>
+        </a:xfrm>
+      </p:grpSpPr>
+      <p:pic>
+        <p:nvPicPr>
+          <p:cNvPr descr="" id="137" name="Obraz 3"/>
+          <p:cNvPicPr/>
+          <p:nvPr/>
+        </p:nvPicPr>
+        <p:blipFill>
+          <a:blip r:embed="rId1"/>
+          <a:stretch>
+            <a:fillRect/>
+          </a:stretch>
+        </p:blipFill>
+        <p:spPr>
+          <a:xfrm>
+            <a:off x="7189920" y="367200"/>
+            <a:ext cx="1577880" cy="581760"/>
+          </a:xfrm>
+          <a:prstGeom prst="rect">
+            <a:avLst/>
+          </a:prstGeom>
+          <a:ln>
+            <a:noFill/>
+          </a:ln>
+        </p:spPr>
+      </p:pic>
+      <p:pic>
+        <p:nvPicPr>
+          <p:cNvPr descr="" id="138" name="Obraz 4"/>
+          <p:cNvPicPr/>
+          <p:nvPr/>
+        </p:nvPicPr>
+        <p:blipFill>
+          <a:blip r:embed="rId2"/>
+          <a:stretch>
+            <a:fillRect/>
+          </a:stretch>
+        </p:blipFill>
+        <p:spPr>
+          <a:xfrm>
+            <a:off x="323640" y="118800"/>
+            <a:ext cx="2218320" cy="1078200"/>
+          </a:xfrm>
+          <a:prstGeom prst="rect">
+            <a:avLst/>
+          </a:prstGeom>
+          <a:ln>
+            <a:noFill/>
+          </a:ln>
+        </p:spPr>
+      </p:pic>
+      <p:pic>
+        <p:nvPicPr>
+          <p:cNvPr descr="" id="139" name="Obraz 5"/>
+          <p:cNvPicPr/>
+          <p:nvPr/>
+        </p:nvPicPr>
+        <p:blipFill>
+          <a:blip r:embed="rId3"/>
+          <a:stretch>
+            <a:fillRect/>
+          </a:stretch>
+        </p:blipFill>
+        <p:spPr>
+          <a:xfrm>
+            <a:off x="4219200" y="423000"/>
+            <a:ext cx="653040" cy="470160"/>
+          </a:xfrm>
+          <a:prstGeom prst="rect">
+            <a:avLst/>
+          </a:prstGeom>
+          <a:ln w="9360">
+            <a:noFill/>
+          </a:ln>
+        </p:spPr>
+      </p:pic>
+      <p:sp>
+        <p:nvSpPr>
+          <p:cNvPr id="140" name="CustomShape 1"/>
+          <p:cNvSpPr/>
+          <p:nvPr/>
+        </p:nvSpPr>
+        <p:spPr>
+          <a:xfrm>
+            <a:off x="323640" y="1198080"/>
+            <a:ext cx="8444520" cy="424800"/>
+          </a:xfrm>
+          <a:prstGeom prst="rect">
+            <a:avLst/>
+          </a:prstGeom>
+          <a:noFill/>
+          <a:ln>
+            <a:noFill/>
+          </a:ln>
+        </p:spPr>
+        <p:txBody>
+          <a:bodyPr bIns="45000" lIns="90000" rIns="90000" tIns="45000"/>
+          <a:p>
+            <a:r>
+              <a:rPr b="1" lang="pl-PL" sz="1100">
+                <a:solidFill>
+                  <a:srgbClr val="000000"/>
+                </a:solidFill>
+                <a:latin typeface="Calibri"/>
+              </a:rPr>
+              <a:t>Projekt </a:t>
+            </a:r>
+            <a:r>
+              <a:rPr b="1" i="1" lang="pl-PL" sz="1100">
+                <a:solidFill>
+                  <a:srgbClr val="000000"/>
+                </a:solidFill>
+                <a:latin typeface="Calibri"/>
+              </a:rPr>
+              <a:t>Program rozwoju Uniwersytetu Gdańskiego w obszarach Europa 2020 (UG2020) </a:t>
+            </a:r>
+            <a:endParaRPr/>
+          </a:p>
+          <a:p>
+            <a:pPr algn="ctr">
+              <a:lnSpc>
+                <a:spcPct val="100000"/>
+              </a:lnSpc>
+            </a:pPr>
+            <a:r>
+              <a:rPr b="1" lang="pl-PL" sz="1100">
+                <a:solidFill>
+                  <a:srgbClr val="000000"/>
+                </a:solidFill>
+                <a:latin typeface="Calibri"/>
+              </a:rPr>
+              <a:t>jest współfinansowany przez Unię Europejską w ramach Europejskiego Funduszu Społecznego</a:t>
+            </a:r>
+            <a:endParaRPr/>
+          </a:p>
+        </p:txBody>
+      </p:sp>
+      <p:sp>
+        <p:nvSpPr>
+          <p:cNvPr id="141" name="CustomShape 2"/>
+          <p:cNvSpPr/>
+          <p:nvPr/>
+        </p:nvSpPr>
+        <p:spPr>
+          <a:xfrm>
+            <a:off x="0" y="6520320"/>
+            <a:ext cx="9143280" cy="364320"/>
+          </a:xfrm>
+          <a:prstGeom prst="rect">
+            <a:avLst/>
+          </a:prstGeom>
+          <a:noFill/>
+          <a:ln>
+            <a:noFill/>
+          </a:ln>
+        </p:spPr>
+        <p:txBody>
+          <a:bodyPr anchor="ctr" bIns="45000" lIns="90000" rIns="90000" tIns="45000"/>
+          <a:p>
+            <a:pPr algn="ctr">
+              <a:lnSpc>
+                <a:spcPct val="100000"/>
+              </a:lnSpc>
+            </a:pPr>
+            <a:r>
+              <a:rPr b="1" lang="pl-PL" sz="1200">
+                <a:solidFill>
+                  <a:srgbClr val="ffffff"/>
+                </a:solidFill>
+                <a:latin typeface="Calibri"/>
+              </a:rPr>
+              <a:t>Człowiek – najlepsza inwestycja</a:t>
+            </a:r>
+            <a:endParaRPr/>
+          </a:p>
+        </p:txBody>
+      </p:sp>
+      <p:sp>
+        <p:nvSpPr>
+          <p:cNvPr id="142" name="TextShape 3"/>
+          <p:cNvSpPr txBox="1"/>
+          <p:nvPr/>
+        </p:nvSpPr>
+        <p:spPr>
+          <a:xfrm>
+            <a:off x="1654920" y="2237400"/>
+            <a:ext cx="5834520" cy="1882440"/>
+          </a:xfrm>
+          <a:prstGeom prst="rect">
+            <a:avLst/>
+          </a:prstGeom>
+        </p:spPr>
+        <p:txBody>
+          <a:bodyPr bIns="45000" lIns="90000" rIns="90000" tIns="45000" wrap="none"/>
+          <a:p>
+            <a:r>
+              <a:rPr b="1" lang="pl-PL"/>
+              <a:t>Wykład 4. </a:t>
+            </a:r>
+            <a:r>
+              <a:rPr lang="pl-PL"/>
+              <a:t>Praca z </a:t>
+            </a:r>
+            <a:r>
+              <a:rPr i="1" lang="pl-PL"/>
+              <a:t>Legacy Code</a:t>
+            </a:r>
+            <a:r>
+              <a:rPr lang="pl-PL"/>
+              <a:t>, czyli z już istniejącym </a:t>
+            </a:r>
+            <a:endParaRPr/>
+          </a:p>
+          <a:p>
+            <a:r>
+              <a:rPr lang="pl-PL"/>
+              <a:t>                 </a:t>
+            </a:r>
+            <a:r>
+              <a:rPr lang="pl-PL"/>
+              <a:t>kodem lub kodem nie pokrytym </a:t>
+            </a:r>
+            <a:endParaRPr/>
+          </a:p>
+          <a:p>
+            <a:r>
+              <a:rPr lang="pl-PL"/>
+              <a:t>                 </a:t>
+            </a:r>
+            <a:r>
+              <a:rPr lang="pl-PL"/>
+              <a:t>testami (Michael Feathers).</a:t>
+            </a:r>
+            <a:endParaRPr/>
+          </a:p>
+          <a:p>
+            <a:endParaRPr/>
+          </a:p>
+          <a:p>
+            <a:pPr>
+              <a:lnSpc>
+                <a:spcPct val="100000"/>
+              </a:lnSpc>
+            </a:pPr>
+            <a:r>
+              <a:rPr lang="pl-PL"/>
+              <a:t>Praca z „zastanym kodem”.</a:t>
+            </a:r>
+            <a:endParaRPr/>
+          </a:p>
+          <a:p>
+            <a:pPr>
+              <a:lnSpc>
+                <a:spcPct val="100000"/>
+              </a:lnSpc>
+            </a:pPr>
+            <a:r>
+              <a:rPr lang="pl-PL"/>
+              <a:t>Pokrycie testami.</a:t>
+            </a:r>
+            <a:endParaRPr/>
+          </a:p>
+          <a:p>
+            <a:pPr>
+              <a:lnSpc>
+                <a:spcPct val="100000"/>
+              </a:lnSpc>
+            </a:pPr>
+            <a:r>
+              <a:rPr lang="pl-PL"/>
+              <a:t>Refaktoryzacja Legacy Code.</a:t>
             </a:r>
             <a:endParaRPr/>
           </a:p>
@@ -5027,4 +5937,227 @@
     </a:fmtScheme>
   </a:themeElements>
 </a:theme>
+</file>
+
+<file path=ppt/theme/theme3.xml><?xml version="1.0" encoding="utf-8"?>
+<a:theme xmlns:a="http://schemas.openxmlformats.org/drawingml/2006/main" name="Office Theme">
+  <a:themeElements>
+    <a:clrScheme name="Office">
+      <a:dk1>
+        <a:sysClr val="windowText" lastClr="000000"/>
+      </a:dk1>
+      <a:lt1>
+        <a:sysClr val="window" lastClr="FFFFFF"/>
+      </a:lt1>
+      <a:dk2>
+        <a:srgbClr val="1F497D"/>
+      </a:dk2>
+      <a:lt2>
+        <a:srgbClr val="EEECE1"/>
+      </a:lt2>
+      <a:accent1>
+        <a:srgbClr val="4F81BD"/>
+      </a:accent1>
+      <a:accent2>
+        <a:srgbClr val="C0504D"/>
+      </a:accent2>
+      <a:accent3>
+        <a:srgbClr val="9BBB59"/>
+      </a:accent3>
+      <a:accent4>
+        <a:srgbClr val="8064A2"/>
+      </a:accent4>
+      <a:accent5>
+        <a:srgbClr val="4BACC6"/>
+      </a:accent5>
+      <a:accent6>
+        <a:srgbClr val="F79646"/>
+      </a:accent6>
+      <a:hlink>
+        <a:srgbClr val="0000FF"/>
+      </a:hlink>
+      <a:folHlink>
+        <a:srgbClr val="800080"/>
+      </a:folHlink>
+    </a:clrScheme>
+    <a:fontScheme name="Office">
+      <a:majorFont>
+        <a:latin typeface="Arial"/>
+        <a:ea typeface="DejaVu Sans"/>
+        <a:cs typeface="DejaVu Sans"/>
+      </a:majorFont>
+      <a:minorFont>
+        <a:latin typeface="Arial"/>
+        <a:ea typeface="DejaVu Sans"/>
+        <a:cs typeface="DejaVu Sans"/>
+      </a:minorFont>
+    </a:fontScheme>
+    <a:fmtScheme name="Office">
+      <a:fillStyleLst>
+        <a:solidFill>
+          <a:schemeClr val="phClr"/>
+        </a:solidFill>
+        <a:gradFill rotWithShape="1">
+          <a:gsLst>
+            <a:gs pos="0">
+              <a:schemeClr val="phClr">
+                <a:tint val="50000"/>
+                <a:satMod val="300000"/>
+              </a:schemeClr>
+            </a:gs>
+            <a:gs pos="35000">
+              <a:schemeClr val="phClr">
+                <a:tint val="37000"/>
+                <a:satMod val="300000"/>
+              </a:schemeClr>
+            </a:gs>
+            <a:gs pos="100000">
+              <a:schemeClr val="phClr">
+                <a:tint val="15000"/>
+                <a:satMod val="350000"/>
+              </a:schemeClr>
+            </a:gs>
+          </a:gsLst>
+          <a:lin ang="16200000" scaled="1"/>
+        </a:gradFill>
+        <a:gradFill rotWithShape="1">
+          <a:gsLst>
+            <a:gs pos="0">
+              <a:schemeClr val="phClr">
+                <a:shade val="51000"/>
+                <a:satMod val="130000"/>
+              </a:schemeClr>
+            </a:gs>
+            <a:gs pos="80000">
+              <a:schemeClr val="phClr">
+                <a:shade val="93000"/>
+                <a:satMod val="130000"/>
+              </a:schemeClr>
+            </a:gs>
+            <a:gs pos="100000">
+              <a:schemeClr val="phClr">
+                <a:shade val="94000"/>
+                <a:satMod val="135000"/>
+              </a:schemeClr>
+            </a:gs>
+          </a:gsLst>
+          <a:lin ang="16200000" scaled="0"/>
+        </a:gradFill>
+      </a:fillStyleLst>
+      <a:lnStyleLst>
+        <a:ln w="9525" cap="flat" cmpd="sng" algn="ctr">
+          <a:solidFill>
+            <a:schemeClr val="phClr">
+              <a:shade val="95000"/>
+              <a:satMod val="105000"/>
+            </a:schemeClr>
+          </a:solidFill>
+          <a:prstDash val="solid"/>
+        </a:ln>
+        <a:ln w="25400" cap="flat" cmpd="sng" algn="ctr">
+          <a:solidFill>
+            <a:schemeClr val="phClr"/>
+          </a:solidFill>
+          <a:prstDash val="solid"/>
+        </a:ln>
+        <a:ln w="38100" cap="flat" cmpd="sng" algn="ctr">
+          <a:solidFill>
+            <a:schemeClr val="phClr"/>
+          </a:solidFill>
+          <a:prstDash val="solid"/>
+        </a:ln>
+      </a:lnStyleLst>
+      <a:effectStyleLst>
+        <a:effectStyle>
+          <a:effectLst>
+            <a:outerShdw blurRad="40000" dist="20000" dir="5400000" rotWithShape="0">
+              <a:srgbClr val="000000">
+                <a:alpha val="38000"/>
+              </a:srgbClr>
+            </a:outerShdw>
+          </a:effectLst>
+        </a:effectStyle>
+        <a:effectStyle>
+          <a:effectLst>
+            <a:outerShdw blurRad="40000" dist="23000" dir="5400000" rotWithShape="0">
+              <a:srgbClr val="000000">
+                <a:alpha val="35000"/>
+              </a:srgbClr>
+            </a:outerShdw>
+          </a:effectLst>
+        </a:effectStyle>
+        <a:effectStyle>
+          <a:effectLst>
+            <a:outerShdw blurRad="40000" dist="23000" dir="5400000" rotWithShape="0">
+              <a:srgbClr val="000000">
+                <a:alpha val="35000"/>
+              </a:srgbClr>
+            </a:outerShdw>
+          </a:effectLst>
+          <a:scene3d>
+            <a:camera prst="orthographicFront">
+              <a:rot lat="0" lon="0" rev="0"/>
+            </a:camera>
+            <a:lightRig rig="threePt" dir="t">
+              <a:rot lat="0" lon="0" rev="1200000"/>
+            </a:lightRig>
+          </a:scene3d>
+          <a:sp3d>
+            <a:bevelT w="63500" h="25400"/>
+          </a:sp3d>
+        </a:effectStyle>
+      </a:effectStyleLst>
+      <a:bgFillStyleLst>
+        <a:solidFill>
+          <a:schemeClr val="phClr"/>
+        </a:solidFill>
+        <a:gradFill rotWithShape="1">
+          <a:gsLst>
+            <a:gs pos="0">
+              <a:schemeClr val="phClr">
+                <a:tint val="40000"/>
+                <a:satMod val="350000"/>
+              </a:schemeClr>
+            </a:gs>
+            <a:gs pos="40000">
+              <a:schemeClr val="phClr">
+                <a:tint val="45000"/>
+                <a:shade val="99000"/>
+                <a:satMod val="350000"/>
+              </a:schemeClr>
+            </a:gs>
+            <a:gs pos="100000">
+              <a:schemeClr val="phClr">
+                <a:shade val="20000"/>
+                <a:satMod val="255000"/>
+              </a:schemeClr>
+            </a:gs>
+          </a:gsLst>
+          <a:path path="circle">
+            <a:fillToRect l="50000" t="-80000" r="50000" b="180000"/>
+          </a:path>
+        </a:gradFill>
+        <a:gradFill rotWithShape="1">
+          <a:gsLst>
+            <a:gs pos="0">
+              <a:schemeClr val="phClr">
+                <a:tint val="80000"/>
+                <a:satMod val="300000"/>
+              </a:schemeClr>
+            </a:gs>
+            <a:gs pos="100000">
+              <a:schemeClr val="phClr">
+                <a:shade val="30000"/>
+                <a:satMod val="200000"/>
+              </a:schemeClr>
+            </a:gs>
+          </a:gsLst>
+          <a:path path="circle">
+            <a:fillToRect l="50000" t="50000" r="50000" b="50000"/>
+          </a:path>
+        </a:gradFill>
+      </a:bgFillStyleLst>
+    </a:fmtScheme>
+  </a:themeElements>
+</a:theme>
 </file>